--- a/Final/KTPM - Nhóm 8 - 72DCTT24.pptx
+++ b/Final/KTPM - Nhóm 8 - 72DCTT24.pptx
@@ -7,6 +7,10 @@
   <p:sldIdLst>
     <p:sldId id="256" r:id="rId2"/>
     <p:sldId id="257" r:id="rId3"/>
+    <p:sldId id="258" r:id="rId4"/>
+    <p:sldId id="262" r:id="rId5"/>
+    <p:sldId id="263" r:id="rId6"/>
+    <p:sldId id="261" r:id="rId7"/>
   </p:sldIdLst>
   <p:sldSz cx="12192000" cy="6858000"/>
   <p:notesSz cx="6858000" cy="9144000"/>
@@ -105,6 +109,11 @@
       </a:defRPr>
     </a:lvl9pPr>
   </p:defaultTextStyle>
+  <p:extLst>
+    <p:ext uri="{EFAFB233-063F-42B5-8137-9DF3F51BA10A}">
+      <p15:sldGuideLst xmlns:p15="http://schemas.microsoft.com/office/powerpoint/2012/main"/>
+    </p:ext>
+  </p:extLst>
 </p:presentation>
 </file>
 
@@ -3311,7 +3320,7 @@
     <p:bg>
       <p:bgPr>
         <a:solidFill>
-          <a:srgbClr val="31343B"/>
+          <a:schemeClr val="bg1"/>
         </a:solidFill>
         <a:effectLst/>
       </p:bgPr>
@@ -3332,10 +3341,10 @@
       </p:grpSpPr>
       <p:pic>
         <p:nvPicPr>
-          <p:cNvPr id="1028" name="Picture 4" descr="Software Testing: The Who, What, When, How, and Why">
-            <a:extLst>
-              <a:ext uri="{FF2B5EF4-FFF2-40B4-BE49-F238E27FC236}">
-                <a16:creationId xmlns:a16="http://schemas.microsoft.com/office/drawing/2014/main" id="{8B44121E-28A9-A3CC-3FF1-E4791E8F0B52}"/>
+          <p:cNvPr id="1026" name="Picture 2" descr="Testing Whiz Software, Free trial &amp; download available at best price in  Ahmedabad">
+            <a:extLst>
+              <a:ext uri="{FF2B5EF4-FFF2-40B4-BE49-F238E27FC236}">
+                <a16:creationId xmlns:a16="http://schemas.microsoft.com/office/drawing/2014/main" id="{A26D62F3-8050-8198-F9A8-D49642B3D4F5}"/>
               </a:ext>
             </a:extLst>
           </p:cNvPr>
@@ -3352,13 +3361,13 @@
               </a:ext>
             </a:extLst>
           </a:blip>
-          <a:srcRect t="64" b="64"/>
+          <a:srcRect r="2342"/>
           <a:stretch/>
         </p:blipFill>
         <p:spPr bwMode="auto">
           <a:xfrm>
-            <a:off x="-185195" y="2001305"/>
-            <a:ext cx="5076249" cy="2855390"/>
+            <a:off x="625417" y="1463040"/>
+            <a:ext cx="4048183" cy="4145280"/>
           </a:xfrm>
           <a:prstGeom prst="rect">
             <a:avLst/>
@@ -3377,60 +3386,6 @@
       </p:pic>
       <p:sp>
         <p:nvSpPr>
-          <p:cNvPr id="5" name="Rectangle 4" hidden="1">
-            <a:extLst>
-              <a:ext uri="{FF2B5EF4-FFF2-40B4-BE49-F238E27FC236}">
-                <a16:creationId xmlns:a16="http://schemas.microsoft.com/office/drawing/2014/main" id="{EA7E869B-2A81-2D05-DD0B-B1E1FD67C8A2}"/>
-              </a:ext>
-            </a:extLst>
-          </p:cNvPr>
-          <p:cNvSpPr/>
-          <p:nvPr/>
-        </p:nvSpPr>
-        <p:spPr>
-          <a:xfrm>
-            <a:off x="0" y="0"/>
-            <a:ext cx="12192000" cy="6858000"/>
-          </a:xfrm>
-          <a:prstGeom prst="rect">
-            <a:avLst/>
-          </a:prstGeom>
-          <a:solidFill>
-            <a:schemeClr val="tx1">
-              <a:alpha val="5000"/>
-            </a:schemeClr>
-          </a:solidFill>
-          <a:ln>
-            <a:noFill/>
-          </a:ln>
-        </p:spPr>
-        <p:style>
-          <a:lnRef idx="2">
-            <a:schemeClr val="accent1">
-              <a:shade val="15000"/>
-            </a:schemeClr>
-          </a:lnRef>
-          <a:fillRef idx="1">
-            <a:schemeClr val="accent1"/>
-          </a:fillRef>
-          <a:effectRef idx="0">
-            <a:schemeClr val="accent1"/>
-          </a:effectRef>
-          <a:fontRef idx="minor">
-            <a:schemeClr val="lt1"/>
-          </a:fontRef>
-        </p:style>
-        <p:txBody>
-          <a:bodyPr rtlCol="0" anchor="ctr"/>
-          <a:lstStyle/>
-          <a:p>
-            <a:pPr algn="ctr"/>
-            <a:endParaRPr lang="en-US"/>
-          </a:p>
-        </p:txBody>
-      </p:sp>
-      <p:sp>
-        <p:nvSpPr>
           <p:cNvPr id="2" name="Title 1">
             <a:extLst>
               <a:ext uri="{FF2B5EF4-FFF2-40B4-BE49-F238E27FC236}">
@@ -3464,18 +3419,12 @@
             </a:pPr>
             <a:r>
               <a:rPr lang="nb-NO" sz="4800" b="1">
-                <a:solidFill>
-                  <a:schemeClr val="bg1"/>
-                </a:solidFill>
                 <a:effectLst/>
                 <a:ea typeface="Times New Roman" panose="02020603050405020304" pitchFamily="18" charset="0"/>
               </a:rPr>
               <a:t>KIỂM THỬ PHẦN MỀM</a:t>
             </a:r>
             <a:endParaRPr lang="en-US" sz="4800">
-              <a:solidFill>
-                <a:schemeClr val="bg1"/>
-              </a:solidFill>
               <a:effectLst/>
               <a:ea typeface="Times New Roman" panose="02020603050405020304" pitchFamily="18" charset="0"/>
             </a:endParaRPr>
@@ -3511,26 +3460,14 @@
           <a:lstStyle/>
           <a:p>
             <a:r>
-              <a:rPr lang="en-US">
-                <a:solidFill>
-                  <a:schemeClr val="bg1"/>
-                </a:solidFill>
-              </a:rPr>
+              <a:rPr lang="en-US"/>
               <a:t>CÔNG CỤ KIỂM THỬ TỰ ĐỘNG TESTINGWHIZ</a:t>
             </a:r>
             <a:br>
-              <a:rPr lang="en-US">
-                <a:solidFill>
-                  <a:schemeClr val="bg1"/>
-                </a:solidFill>
-              </a:rPr>
+              <a:rPr lang="en-US"/>
             </a:br>
             <a:r>
-              <a:rPr lang="en-US">
-                <a:solidFill>
-                  <a:schemeClr val="bg1"/>
-                </a:solidFill>
-              </a:rPr>
+              <a:rPr lang="en-US"/>
               <a:t>ÁP DỤNG KIỂM THỬ CHO WEBSITE AMAZON</a:t>
             </a:r>
           </a:p>
@@ -3729,26 +3666,14 @@
           </a:lstStyle>
           <a:p>
             <a:r>
-              <a:rPr lang="en-US">
-                <a:solidFill>
-                  <a:schemeClr val="bg1"/>
-                </a:solidFill>
-              </a:rPr>
+              <a:rPr lang="en-US"/>
               <a:t>UTT – 72DCTT24 – KTPM – NHÓM 8 - </a:t>
             </a:r>
             <a:r>
-              <a:rPr lang="vi-VN">
-                <a:solidFill>
-                  <a:schemeClr val="bg1"/>
-                </a:solidFill>
-              </a:rPr>
+              <a:rPr lang="vi-VN"/>
               <a:t>04/06/2024</a:t>
             </a:r>
-            <a:endParaRPr lang="en-US">
-              <a:solidFill>
-                <a:schemeClr val="bg1"/>
-              </a:solidFill>
-            </a:endParaRPr>
+            <a:endParaRPr lang="en-US"/>
           </a:p>
         </p:txBody>
       </p:sp>
@@ -3768,6 +3693,14 @@
 <file path=ppt/slides/slide2.xml><?xml version="1.0" encoding="utf-8"?>
 <p:sld xmlns:a="http://schemas.openxmlformats.org/drawingml/2006/main" xmlns:r="http://schemas.openxmlformats.org/officeDocument/2006/relationships" xmlns:p="http://schemas.openxmlformats.org/presentationml/2006/main">
   <p:cSld>
+    <p:bg>
+      <p:bgPr>
+        <a:solidFill>
+          <a:schemeClr val="bg1"/>
+        </a:solidFill>
+        <a:effectLst/>
+      </p:bgPr>
+    </p:bg>
     <p:spTree>
       <p:nvGrpSpPr>
         <p:cNvPr id="1" name=""/>
@@ -3782,6 +3715,131 @@
           <a:chExt cx="0" cy="0"/>
         </a:xfrm>
       </p:grpSpPr>
+      <p:sp useBgFill="1">
+        <p:nvSpPr>
+          <p:cNvPr id="11" name="Rectangle 10">
+            <a:extLst>
+              <a:ext uri="{FF2B5EF4-FFF2-40B4-BE49-F238E27FC236}">
+                <a16:creationId xmlns:a16="http://schemas.microsoft.com/office/drawing/2014/main" id="{1709F1D5-B0F1-4714-A239-E5B61C161915}"/>
+              </a:ext>
+              <a:ext uri="{C183D7F6-B498-43B3-948B-1728B52AA6E4}">
+                <adec:decorative xmlns:adec="http://schemas.microsoft.com/office/drawing/2017/decorative" val="1"/>
+              </a:ext>
+            </a:extLst>
+          </p:cNvPr>
+          <p:cNvSpPr>
+            <a:spLocks noGrp="1" noRot="1" noChangeAspect="1" noMove="1" noResize="1" noEditPoints="1" noAdjustHandles="1" noChangeArrowheads="1" noChangeShapeType="1" noTextEdit="1"/>
+          </p:cNvSpPr>
+          <p:nvPr>
+            <p:extLst>
+              <p:ext uri="{386F3935-93C4-4BCD-93E2-E3B085C9AB24}">
+                <p16:designElem xmlns:p16="http://schemas.microsoft.com/office/powerpoint/2015/main" val="1"/>
+              </p:ext>
+            </p:extLst>
+          </p:nvPr>
+        </p:nvSpPr>
+        <p:spPr>
+          <a:xfrm>
+            <a:off x="3048" y="0"/>
+            <a:ext cx="12188952" cy="6858000"/>
+          </a:xfrm>
+          <a:prstGeom prst="rect">
+            <a:avLst/>
+          </a:prstGeom>
+          <a:ln>
+            <a:noFill/>
+          </a:ln>
+        </p:spPr>
+        <p:style>
+          <a:lnRef idx="2">
+            <a:schemeClr val="accent1">
+              <a:shade val="50000"/>
+            </a:schemeClr>
+          </a:lnRef>
+          <a:fillRef idx="1">
+            <a:schemeClr val="accent1"/>
+          </a:fillRef>
+          <a:effectRef idx="0">
+            <a:schemeClr val="accent1"/>
+          </a:effectRef>
+          <a:fontRef idx="minor">
+            <a:schemeClr val="lt1"/>
+          </a:fontRef>
+        </p:style>
+        <p:txBody>
+          <a:bodyPr rtlCol="0" anchor="ctr"/>
+          <a:lstStyle/>
+          <a:p>
+            <a:pPr algn="ctr"/>
+            <a:endParaRPr lang="en-US"/>
+          </a:p>
+        </p:txBody>
+      </p:sp>
+      <p:sp>
+        <p:nvSpPr>
+          <p:cNvPr id="13" name="Rectangle: Rounded Corners 12">
+            <a:extLst>
+              <a:ext uri="{FF2B5EF4-FFF2-40B4-BE49-F238E27FC236}">
+                <a16:creationId xmlns:a16="http://schemas.microsoft.com/office/drawing/2014/main" id="{228FB460-D3FF-4440-A020-05982A09E517}"/>
+              </a:ext>
+              <a:ext uri="{C183D7F6-B498-43B3-948B-1728B52AA6E4}">
+                <adec:decorative xmlns:adec="http://schemas.microsoft.com/office/drawing/2017/decorative" val="1"/>
+              </a:ext>
+            </a:extLst>
+          </p:cNvPr>
+          <p:cNvSpPr>
+            <a:spLocks noGrp="1" noRot="1" noChangeAspect="1" noMove="1" noResize="1" noEditPoints="1" noAdjustHandles="1" noChangeArrowheads="1" noChangeShapeType="1" noTextEdit="1"/>
+          </p:cNvSpPr>
+          <p:nvPr>
+            <p:extLst>
+              <p:ext uri="{386F3935-93C4-4BCD-93E2-E3B085C9AB24}">
+                <p16:designElem xmlns:p16="http://schemas.microsoft.com/office/powerpoint/2015/main" val="1"/>
+              </p:ext>
+            </p:extLst>
+          </p:nvPr>
+        </p:nvSpPr>
+        <p:spPr>
+          <a:xfrm>
+            <a:off x="740546" y="1011045"/>
+            <a:ext cx="4369859" cy="4369859"/>
+          </a:xfrm>
+          <a:prstGeom prst="roundRect">
+            <a:avLst>
+              <a:gd name="adj" fmla="val 2757"/>
+            </a:avLst>
+          </a:prstGeom>
+          <a:solidFill>
+            <a:schemeClr val="accent2"/>
+          </a:solidFill>
+          <a:ln>
+            <a:noFill/>
+          </a:ln>
+        </p:spPr>
+        <p:style>
+          <a:lnRef idx="2">
+            <a:schemeClr val="accent1">
+              <a:shade val="50000"/>
+            </a:schemeClr>
+          </a:lnRef>
+          <a:fillRef idx="1">
+            <a:schemeClr val="accent1"/>
+          </a:fillRef>
+          <a:effectRef idx="0">
+            <a:schemeClr val="accent1"/>
+          </a:effectRef>
+          <a:fontRef idx="minor">
+            <a:schemeClr val="lt1"/>
+          </a:fontRef>
+        </p:style>
+        <p:txBody>
+          <a:bodyPr rtlCol="0" anchor="ctr"/>
+          <a:lstStyle/>
+          <a:p>
+            <a:pPr algn="ctr"/>
+            <a:endParaRPr lang="en-US"/>
+          </a:p>
+        </p:txBody>
+      </p:sp>
       <p:sp>
         <p:nvSpPr>
           <p:cNvPr id="5" name="TextBox 4">
@@ -3796,81 +3854,2840 @@
         </p:nvSpPr>
         <p:spPr>
           <a:xfrm>
-            <a:off x="3206187" y="787078"/>
-            <a:ext cx="2013995" cy="646331"/>
+            <a:off x="956826" y="1112969"/>
+            <a:ext cx="3937298" cy="4166010"/>
+          </a:xfrm>
+          <a:prstGeom prst="rect">
+            <a:avLst/>
+          </a:prstGeom>
+        </p:spPr>
+        <p:txBody>
+          <a:bodyPr vert="horz" lIns="91440" tIns="45720" rIns="91440" bIns="45720" rtlCol="0" anchor="ctr">
+            <a:normAutofit/>
+          </a:bodyPr>
+          <a:lstStyle/>
+          <a:p>
+            <a:pPr>
+              <a:lnSpc>
+                <a:spcPct val="90000"/>
+              </a:lnSpc>
+              <a:spcBef>
+                <a:spcPct val="0"/>
+              </a:spcBef>
+              <a:spcAft>
+                <a:spcPts val="600"/>
+              </a:spcAft>
+            </a:pPr>
+            <a:r>
+              <a:rPr lang="en-US" sz="4400" kern="1200">
+                <a:solidFill>
+                  <a:srgbClr val="FFFFFF"/>
+                </a:solidFill>
+                <a:latin typeface="+mj-lt"/>
+                <a:ea typeface="+mj-ea"/>
+                <a:cs typeface="+mj-cs"/>
+              </a:rPr>
+              <a:t>Danh sách thành viên</a:t>
+            </a:r>
+          </a:p>
+        </p:txBody>
+      </p:sp>
+      <p:sp>
+        <p:nvSpPr>
+          <p:cNvPr id="15" name="Freeform: Shape 14">
+            <a:extLst>
+              <a:ext uri="{FF2B5EF4-FFF2-40B4-BE49-F238E27FC236}">
+                <a16:creationId xmlns:a16="http://schemas.microsoft.com/office/drawing/2014/main" id="{14847E93-7DC1-4D4B-8829-B19AA7137C50}"/>
+              </a:ext>
+              <a:ext uri="{C183D7F6-B498-43B3-948B-1728B52AA6E4}">
+                <adec:decorative xmlns:adec="http://schemas.microsoft.com/office/drawing/2017/decorative" val="1"/>
+              </a:ext>
+            </a:extLst>
+          </p:cNvPr>
+          <p:cNvSpPr>
+            <a:spLocks noGrp="1" noRot="1" noChangeAspect="1" noMove="1" noResize="1" noEditPoints="1" noAdjustHandles="1" noChangeArrowheads="1" noChangeShapeType="1" noTextEdit="1"/>
+          </p:cNvSpPr>
+          <p:nvPr>
+            <p:extLst>
+              <p:ext uri="{386F3935-93C4-4BCD-93E2-E3B085C9AB24}">
+                <p16:designElem xmlns:p16="http://schemas.microsoft.com/office/powerpoint/2015/main" val="1"/>
+              </p:ext>
+            </p:extLst>
+          </p:nvPr>
+        </p:nvSpPr>
+        <p:spPr>
+          <a:xfrm flipH="1">
+            <a:off x="530529" y="0"/>
+            <a:ext cx="1155142" cy="591009"/>
+          </a:xfrm>
+          <a:custGeom>
+            <a:avLst/>
+            <a:gdLst>
+              <a:gd name="connsiteX0" fmla="*/ 1355 w 1155142"/>
+              <a:gd name="connsiteY0" fmla="*/ 0 h 591009"/>
+              <a:gd name="connsiteX1" fmla="*/ 1153787 w 1155142"/>
+              <a:gd name="connsiteY1" fmla="*/ 0 h 591009"/>
+              <a:gd name="connsiteX2" fmla="*/ 1155142 w 1155142"/>
+              <a:gd name="connsiteY2" fmla="*/ 13438 h 591009"/>
+              <a:gd name="connsiteX3" fmla="*/ 577571 w 1155142"/>
+              <a:gd name="connsiteY3" fmla="*/ 591009 h 591009"/>
+              <a:gd name="connsiteX4" fmla="*/ 0 w 1155142"/>
+              <a:gd name="connsiteY4" fmla="*/ 13438 h 591009"/>
+            </a:gdLst>
+            <a:ahLst/>
+            <a:cxnLst>
+              <a:cxn ang="0">
+                <a:pos x="connsiteX0" y="connsiteY0"/>
+              </a:cxn>
+              <a:cxn ang="0">
+                <a:pos x="connsiteX1" y="connsiteY1"/>
+              </a:cxn>
+              <a:cxn ang="0">
+                <a:pos x="connsiteX2" y="connsiteY2"/>
+              </a:cxn>
+              <a:cxn ang="0">
+                <a:pos x="connsiteX3" y="connsiteY3"/>
+              </a:cxn>
+              <a:cxn ang="0">
+                <a:pos x="connsiteX4" y="connsiteY4"/>
+              </a:cxn>
+            </a:cxnLst>
+            <a:rect l="l" t="t" r="r" b="b"/>
+            <a:pathLst>
+              <a:path w="1155142" h="591009">
+                <a:moveTo>
+                  <a:pt x="1355" y="0"/>
+                </a:moveTo>
+                <a:lnTo>
+                  <a:pt x="1153787" y="0"/>
+                </a:lnTo>
+                <a:lnTo>
+                  <a:pt x="1155142" y="13438"/>
+                </a:lnTo>
+                <a:cubicBezTo>
+                  <a:pt x="1155142" y="332422"/>
+                  <a:pt x="896555" y="591009"/>
+                  <a:pt x="577571" y="591009"/>
+                </a:cubicBezTo>
+                <a:cubicBezTo>
+                  <a:pt x="258587" y="591009"/>
+                  <a:pt x="0" y="332422"/>
+                  <a:pt x="0" y="13438"/>
+                </a:cubicBezTo>
+                <a:close/>
+              </a:path>
+            </a:pathLst>
+          </a:custGeom>
+          <a:solidFill>
+            <a:schemeClr val="accent5"/>
+          </a:solidFill>
+          <a:ln>
+            <a:noFill/>
+          </a:ln>
+        </p:spPr>
+        <p:style>
+          <a:lnRef idx="2">
+            <a:schemeClr val="accent1">
+              <a:shade val="50000"/>
+            </a:schemeClr>
+          </a:lnRef>
+          <a:fillRef idx="1">
+            <a:schemeClr val="accent1"/>
+          </a:fillRef>
+          <a:effectRef idx="0">
+            <a:schemeClr val="accent1"/>
+          </a:effectRef>
+          <a:fontRef idx="minor">
+            <a:schemeClr val="lt1"/>
+          </a:fontRef>
+        </p:style>
+        <p:txBody>
+          <a:bodyPr wrap="square" rtlCol="0" anchor="ctr">
+            <a:noAutofit/>
+          </a:bodyPr>
+          <a:lstStyle/>
+          <a:p>
+            <a:pPr algn="ctr"/>
+            <a:endParaRPr lang="en-US"/>
+          </a:p>
+        </p:txBody>
+      </p:sp>
+      <p:sp>
+        <p:nvSpPr>
+          <p:cNvPr id="17" name="Freeform: Shape 16">
+            <a:extLst>
+              <a:ext uri="{FF2B5EF4-FFF2-40B4-BE49-F238E27FC236}">
+                <a16:creationId xmlns:a16="http://schemas.microsoft.com/office/drawing/2014/main" id="{5566D6E1-03A1-4D73-A4E0-35D74D568A04}"/>
+              </a:ext>
+              <a:ext uri="{C183D7F6-B498-43B3-948B-1728B52AA6E4}">
+                <adec:decorative xmlns:adec="http://schemas.microsoft.com/office/drawing/2017/decorative" val="1"/>
+              </a:ext>
+            </a:extLst>
+          </p:cNvPr>
+          <p:cNvSpPr>
+            <a:spLocks noGrp="1" noRot="1" noChangeAspect="1" noMove="1" noResize="1" noEditPoints="1" noAdjustHandles="1" noChangeArrowheads="1" noChangeShapeType="1" noTextEdit="1"/>
+          </p:cNvSpPr>
+          <p:nvPr>
+            <p:extLst>
+              <p:ext uri="{386F3935-93C4-4BCD-93E2-E3B085C9AB24}">
+                <p16:designElem xmlns:p16="http://schemas.microsoft.com/office/powerpoint/2015/main" val="1"/>
+              </p:ext>
+            </p:extLst>
+          </p:nvPr>
+        </p:nvSpPr>
+        <p:spPr>
+          <a:xfrm flipH="1">
+            <a:off x="3961511" y="-1"/>
+            <a:ext cx="1737401" cy="959536"/>
+          </a:xfrm>
+          <a:custGeom>
+            <a:avLst/>
+            <a:gdLst>
+              <a:gd name="connsiteX0" fmla="*/ 0 w 1737401"/>
+              <a:gd name="connsiteY0" fmla="*/ 0 h 959536"/>
+              <a:gd name="connsiteX1" fmla="*/ 123825 w 1737401"/>
+              <a:gd name="connsiteY1" fmla="*/ 0 h 959536"/>
+              <a:gd name="connsiteX2" fmla="*/ 123825 w 1737401"/>
+              <a:gd name="connsiteY2" fmla="*/ 790277 h 959536"/>
+              <a:gd name="connsiteX3" fmla="*/ 1490095 w 1737401"/>
+              <a:gd name="connsiteY3" fmla="*/ 0 h 959536"/>
+              <a:gd name="connsiteX4" fmla="*/ 1737401 w 1737401"/>
+              <a:gd name="connsiteY4" fmla="*/ 0 h 959536"/>
+              <a:gd name="connsiteX5" fmla="*/ 92869 w 1737401"/>
+              <a:gd name="connsiteY5" fmla="*/ 951249 h 959536"/>
+              <a:gd name="connsiteX6" fmla="*/ 61913 w 1737401"/>
+              <a:gd name="connsiteY6" fmla="*/ 959536 h 959536"/>
+              <a:gd name="connsiteX7" fmla="*/ 0 w 1737401"/>
+              <a:gd name="connsiteY7" fmla="*/ 897624 h 959536"/>
+            </a:gdLst>
+            <a:ahLst/>
+            <a:cxnLst>
+              <a:cxn ang="0">
+                <a:pos x="connsiteX0" y="connsiteY0"/>
+              </a:cxn>
+              <a:cxn ang="0">
+                <a:pos x="connsiteX1" y="connsiteY1"/>
+              </a:cxn>
+              <a:cxn ang="0">
+                <a:pos x="connsiteX2" y="connsiteY2"/>
+              </a:cxn>
+              <a:cxn ang="0">
+                <a:pos x="connsiteX3" y="connsiteY3"/>
+              </a:cxn>
+              <a:cxn ang="0">
+                <a:pos x="connsiteX4" y="connsiteY4"/>
+              </a:cxn>
+              <a:cxn ang="0">
+                <a:pos x="connsiteX5" y="connsiteY5"/>
+              </a:cxn>
+              <a:cxn ang="0">
+                <a:pos x="connsiteX6" y="connsiteY6"/>
+              </a:cxn>
+              <a:cxn ang="0">
+                <a:pos x="connsiteX7" y="connsiteY7"/>
+              </a:cxn>
+            </a:cxnLst>
+            <a:rect l="l" t="t" r="r" b="b"/>
+            <a:pathLst>
+              <a:path w="1737401" h="959536">
+                <a:moveTo>
+                  <a:pt x="0" y="0"/>
+                </a:moveTo>
+                <a:lnTo>
+                  <a:pt x="123825" y="0"/>
+                </a:lnTo>
+                <a:lnTo>
+                  <a:pt x="123825" y="790277"/>
+                </a:lnTo>
+                <a:lnTo>
+                  <a:pt x="1490095" y="0"/>
+                </a:lnTo>
+                <a:lnTo>
+                  <a:pt x="1737401" y="0"/>
+                </a:lnTo>
+                <a:lnTo>
+                  <a:pt x="92869" y="951249"/>
+                </a:lnTo>
+                <a:cubicBezTo>
+                  <a:pt x="83458" y="956688"/>
+                  <a:pt x="72780" y="959546"/>
+                  <a:pt x="61913" y="959536"/>
+                </a:cubicBezTo>
+                <a:cubicBezTo>
+                  <a:pt x="27719" y="959536"/>
+                  <a:pt x="0" y="931818"/>
+                  <a:pt x="0" y="897624"/>
+                </a:cubicBezTo>
+                <a:close/>
+              </a:path>
+            </a:pathLst>
+          </a:custGeom>
+          <a:solidFill>
+            <a:schemeClr val="accent6"/>
+          </a:solidFill>
+          <a:ln w="9525" cap="flat">
+            <a:noFill/>
+            <a:prstDash val="solid"/>
+            <a:miter/>
+          </a:ln>
+        </p:spPr>
+        <p:txBody>
+          <a:bodyPr rtlCol="0" anchor="ctr"/>
+          <a:lstStyle/>
+          <a:p>
+            <a:endParaRPr lang="en-US"/>
+          </a:p>
+        </p:txBody>
+      </p:sp>
+      <p:sp>
+        <p:nvSpPr>
+          <p:cNvPr id="19" name="Freeform: Shape 18">
+            <a:extLst>
+              <a:ext uri="{FF2B5EF4-FFF2-40B4-BE49-F238E27FC236}">
+                <a16:creationId xmlns:a16="http://schemas.microsoft.com/office/drawing/2014/main" id="{9F835A99-04AC-494A-A572-AFE8413CC938}"/>
+              </a:ext>
+              <a:ext uri="{C183D7F6-B498-43B3-948B-1728B52AA6E4}">
+                <adec:decorative xmlns:adec="http://schemas.microsoft.com/office/drawing/2017/decorative" val="1"/>
+              </a:ext>
+            </a:extLst>
+          </p:cNvPr>
+          <p:cNvSpPr>
+            <a:spLocks noGrp="1" noRot="1" noChangeAspect="1" noMove="1" noResize="1" noEditPoints="1" noAdjustHandles="1" noChangeArrowheads="1" noChangeShapeType="1" noTextEdit="1"/>
+          </p:cNvSpPr>
+          <p:nvPr>
+            <p:extLst>
+              <p:ext uri="{386F3935-93C4-4BCD-93E2-E3B085C9AB24}">
+                <p16:designElem xmlns:p16="http://schemas.microsoft.com/office/powerpoint/2015/main" val="1"/>
+              </p:ext>
+            </p:extLst>
+          </p:nvPr>
+        </p:nvSpPr>
+        <p:spPr>
+          <a:xfrm flipH="1">
+            <a:off x="0" y="2936831"/>
+            <a:ext cx="159741" cy="552996"/>
+          </a:xfrm>
+          <a:custGeom>
+            <a:avLst/>
+            <a:gdLst>
+              <a:gd name="connsiteX0" fmla="*/ 159741 w 159741"/>
+              <a:gd name="connsiteY0" fmla="*/ 0 h 552996"/>
+              <a:gd name="connsiteX1" fmla="*/ 159741 w 159741"/>
+              <a:gd name="connsiteY1" fmla="*/ 552996 h 552996"/>
+              <a:gd name="connsiteX2" fmla="*/ 141849 w 159741"/>
+              <a:gd name="connsiteY2" fmla="*/ 543285 h 552996"/>
+              <a:gd name="connsiteX3" fmla="*/ 0 w 159741"/>
+              <a:gd name="connsiteY3" fmla="*/ 276498 h 552996"/>
+              <a:gd name="connsiteX4" fmla="*/ 141849 w 159741"/>
+              <a:gd name="connsiteY4" fmla="*/ 9711 h 552996"/>
+            </a:gdLst>
+            <a:ahLst/>
+            <a:cxnLst>
+              <a:cxn ang="0">
+                <a:pos x="connsiteX0" y="connsiteY0"/>
+              </a:cxn>
+              <a:cxn ang="0">
+                <a:pos x="connsiteX1" y="connsiteY1"/>
+              </a:cxn>
+              <a:cxn ang="0">
+                <a:pos x="connsiteX2" y="connsiteY2"/>
+              </a:cxn>
+              <a:cxn ang="0">
+                <a:pos x="connsiteX3" y="connsiteY3"/>
+              </a:cxn>
+              <a:cxn ang="0">
+                <a:pos x="connsiteX4" y="connsiteY4"/>
+              </a:cxn>
+            </a:cxnLst>
+            <a:rect l="l" t="t" r="r" b="b"/>
+            <a:pathLst>
+              <a:path w="159741" h="552996">
+                <a:moveTo>
+                  <a:pt x="159741" y="0"/>
+                </a:moveTo>
+                <a:lnTo>
+                  <a:pt x="159741" y="552996"/>
+                </a:lnTo>
+                <a:lnTo>
+                  <a:pt x="141849" y="543285"/>
+                </a:lnTo>
+                <a:cubicBezTo>
+                  <a:pt x="56268" y="485467"/>
+                  <a:pt x="0" y="387554"/>
+                  <a:pt x="0" y="276498"/>
+                </a:cubicBezTo>
+                <a:cubicBezTo>
+                  <a:pt x="0" y="165443"/>
+                  <a:pt x="56268" y="67529"/>
+                  <a:pt x="141849" y="9711"/>
+                </a:cubicBezTo>
+                <a:close/>
+              </a:path>
+            </a:pathLst>
+          </a:custGeom>
+          <a:solidFill>
+            <a:schemeClr val="accent4"/>
+          </a:solidFill>
+          <a:ln w="127000">
+            <a:noFill/>
+          </a:ln>
+        </p:spPr>
+        <p:style>
+          <a:lnRef idx="2">
+            <a:schemeClr val="accent1">
+              <a:shade val="50000"/>
+            </a:schemeClr>
+          </a:lnRef>
+          <a:fillRef idx="1">
+            <a:schemeClr val="accent1"/>
+          </a:fillRef>
+          <a:effectRef idx="0">
+            <a:schemeClr val="accent1"/>
+          </a:effectRef>
+          <a:fontRef idx="minor">
+            <a:schemeClr val="lt1"/>
+          </a:fontRef>
+        </p:style>
+        <p:txBody>
+          <a:bodyPr wrap="square" rtlCol="0" anchor="ctr">
+            <a:noAutofit/>
+          </a:bodyPr>
+          <a:lstStyle/>
+          <a:p>
+            <a:pPr algn="ctr"/>
+            <a:endParaRPr lang="en-US"/>
+          </a:p>
+        </p:txBody>
+      </p:sp>
+      <p:sp>
+        <p:nvSpPr>
+          <p:cNvPr id="6" name="TextBox 5">
+            <a:extLst>
+              <a:ext uri="{FF2B5EF4-FFF2-40B4-BE49-F238E27FC236}">
+                <a16:creationId xmlns:a16="http://schemas.microsoft.com/office/drawing/2014/main" id="{4AD73271-926E-D37B-B6A7-EA1CA9B53B62}"/>
+              </a:ext>
+            </a:extLst>
+          </p:cNvPr>
+          <p:cNvSpPr txBox="1"/>
+          <p:nvPr/>
+        </p:nvSpPr>
+        <p:spPr>
+          <a:xfrm>
+            <a:off x="6096000" y="820880"/>
+            <a:ext cx="5257799" cy="4889350"/>
+          </a:xfrm>
+          <a:prstGeom prst="rect">
+            <a:avLst/>
+          </a:prstGeom>
+        </p:spPr>
+        <p:txBody>
+          <a:bodyPr vert="horz" lIns="91440" tIns="45720" rIns="91440" bIns="45720" rtlCol="0" anchor="ctr">
+            <a:normAutofit/>
+          </a:bodyPr>
+          <a:lstStyle/>
+          <a:p>
+            <a:pPr indent="-228600">
+              <a:lnSpc>
+                <a:spcPct val="90000"/>
+              </a:lnSpc>
+              <a:spcAft>
+                <a:spcPts val="600"/>
+              </a:spcAft>
+              <a:buFont typeface="Arial" panose="020B0604020202020204" pitchFamily="34" charset="0"/>
+              <a:buChar char="•"/>
+            </a:pPr>
+            <a:r>
+              <a:rPr lang="en-US" sz="2800"/>
+              <a:t>Nguyễn Hữu Tú</a:t>
+            </a:r>
+          </a:p>
+          <a:p>
+            <a:pPr indent="-228600">
+              <a:lnSpc>
+                <a:spcPct val="90000"/>
+              </a:lnSpc>
+              <a:spcAft>
+                <a:spcPts val="600"/>
+              </a:spcAft>
+              <a:buFont typeface="Arial" panose="020B0604020202020204" pitchFamily="34" charset="0"/>
+              <a:buChar char="•"/>
+            </a:pPr>
+            <a:r>
+              <a:rPr lang="en-US" sz="2800"/>
+              <a:t>Trịnh Xuân Dương</a:t>
+            </a:r>
+          </a:p>
+          <a:p>
+            <a:pPr indent="-228600">
+              <a:lnSpc>
+                <a:spcPct val="90000"/>
+              </a:lnSpc>
+              <a:spcAft>
+                <a:spcPts val="600"/>
+              </a:spcAft>
+              <a:buFont typeface="Arial" panose="020B0604020202020204" pitchFamily="34" charset="0"/>
+              <a:buChar char="•"/>
+            </a:pPr>
+            <a:r>
+              <a:rPr lang="en-US" sz="2800"/>
+              <a:t>Ngô Thuỵ Lương</a:t>
+            </a:r>
+          </a:p>
+          <a:p>
+            <a:pPr indent="-228600">
+              <a:lnSpc>
+                <a:spcPct val="90000"/>
+              </a:lnSpc>
+              <a:spcAft>
+                <a:spcPts val="600"/>
+              </a:spcAft>
+              <a:buFont typeface="Arial" panose="020B0604020202020204" pitchFamily="34" charset="0"/>
+              <a:buChar char="•"/>
+            </a:pPr>
+            <a:r>
+              <a:rPr lang="en-US" sz="2800"/>
+              <a:t>Nguyễn Thị Lam</a:t>
+            </a:r>
+          </a:p>
+          <a:p>
+            <a:pPr indent="-228600">
+              <a:lnSpc>
+                <a:spcPct val="90000"/>
+              </a:lnSpc>
+              <a:spcAft>
+                <a:spcPts val="600"/>
+              </a:spcAft>
+              <a:buFont typeface="Arial" panose="020B0604020202020204" pitchFamily="34" charset="0"/>
+              <a:buChar char="•"/>
+            </a:pPr>
+            <a:r>
+              <a:rPr lang="en-US" sz="2800"/>
+              <a:t>Nguyễn Văn Đạt</a:t>
+            </a:r>
+          </a:p>
+          <a:p>
+            <a:pPr indent="-228600">
+              <a:lnSpc>
+                <a:spcPct val="90000"/>
+              </a:lnSpc>
+              <a:spcAft>
+                <a:spcPts val="600"/>
+              </a:spcAft>
+              <a:buFont typeface="Arial" panose="020B0604020202020204" pitchFamily="34" charset="0"/>
+              <a:buChar char="•"/>
+            </a:pPr>
+            <a:endParaRPr lang="en-US" sz="2800"/>
+          </a:p>
+        </p:txBody>
+      </p:sp>
+      <p:sp>
+        <p:nvSpPr>
+          <p:cNvPr id="21" name="Freeform: Shape 20">
+            <a:extLst>
+              <a:ext uri="{FF2B5EF4-FFF2-40B4-BE49-F238E27FC236}">
+                <a16:creationId xmlns:a16="http://schemas.microsoft.com/office/drawing/2014/main" id="{7B786209-1B0B-4CA9-9BDD-F7327066A84D}"/>
+              </a:ext>
+              <a:ext uri="{C183D7F6-B498-43B3-948B-1728B52AA6E4}">
+                <adec:decorative xmlns:adec="http://schemas.microsoft.com/office/drawing/2017/decorative" val="1"/>
+              </a:ext>
+            </a:extLst>
+          </p:cNvPr>
+          <p:cNvSpPr>
+            <a:spLocks noGrp="1" noRot="1" noChangeAspect="1" noMove="1" noResize="1" noEditPoints="1" noAdjustHandles="1" noChangeArrowheads="1" noChangeShapeType="1" noTextEdit="1"/>
+          </p:cNvSpPr>
+          <p:nvPr>
+            <p:extLst>
+              <p:ext uri="{386F3935-93C4-4BCD-93E2-E3B085C9AB24}">
+                <p16:designElem xmlns:p16="http://schemas.microsoft.com/office/powerpoint/2015/main" val="1"/>
+              </p:ext>
+            </p:extLst>
+          </p:nvPr>
+        </p:nvSpPr>
+        <p:spPr>
+          <a:xfrm flipH="1">
+            <a:off x="0" y="5835649"/>
+            <a:ext cx="1548180" cy="1022351"/>
+          </a:xfrm>
+          <a:custGeom>
+            <a:avLst/>
+            <a:gdLst>
+              <a:gd name="connsiteX0" fmla="*/ 61913 w 1548180"/>
+              <a:gd name="connsiteY0" fmla="*/ 0 h 1022351"/>
+              <a:gd name="connsiteX1" fmla="*/ 1548180 w 1548180"/>
+              <a:gd name="connsiteY1" fmla="*/ 0 h 1022351"/>
+              <a:gd name="connsiteX2" fmla="*/ 1548180 w 1548180"/>
+              <a:gd name="connsiteY2" fmla="*/ 123825 h 1022351"/>
+              <a:gd name="connsiteX3" fmla="*/ 123825 w 1548180"/>
+              <a:gd name="connsiteY3" fmla="*/ 123825 h 1022351"/>
+              <a:gd name="connsiteX4" fmla="*/ 123825 w 1548180"/>
+              <a:gd name="connsiteY4" fmla="*/ 1022351 h 1022351"/>
+              <a:gd name="connsiteX5" fmla="*/ 0 w 1548180"/>
+              <a:gd name="connsiteY5" fmla="*/ 1022351 h 1022351"/>
+              <a:gd name="connsiteX6" fmla="*/ 0 w 1548180"/>
+              <a:gd name="connsiteY6" fmla="*/ 61913 h 1022351"/>
+              <a:gd name="connsiteX7" fmla="*/ 61913 w 1548180"/>
+              <a:gd name="connsiteY7" fmla="*/ 0 h 1022351"/>
+            </a:gdLst>
+            <a:ahLst/>
+            <a:cxnLst>
+              <a:cxn ang="0">
+                <a:pos x="connsiteX0" y="connsiteY0"/>
+              </a:cxn>
+              <a:cxn ang="0">
+                <a:pos x="connsiteX1" y="connsiteY1"/>
+              </a:cxn>
+              <a:cxn ang="0">
+                <a:pos x="connsiteX2" y="connsiteY2"/>
+              </a:cxn>
+              <a:cxn ang="0">
+                <a:pos x="connsiteX3" y="connsiteY3"/>
+              </a:cxn>
+              <a:cxn ang="0">
+                <a:pos x="connsiteX4" y="connsiteY4"/>
+              </a:cxn>
+              <a:cxn ang="0">
+                <a:pos x="connsiteX5" y="connsiteY5"/>
+              </a:cxn>
+              <a:cxn ang="0">
+                <a:pos x="connsiteX6" y="connsiteY6"/>
+              </a:cxn>
+              <a:cxn ang="0">
+                <a:pos x="connsiteX7" y="connsiteY7"/>
+              </a:cxn>
+            </a:cxnLst>
+            <a:rect l="l" t="t" r="r" b="b"/>
+            <a:pathLst>
+              <a:path w="1548180" h="1022351">
+                <a:moveTo>
+                  <a:pt x="61913" y="0"/>
+                </a:moveTo>
+                <a:lnTo>
+                  <a:pt x="1548180" y="0"/>
+                </a:lnTo>
+                <a:lnTo>
+                  <a:pt x="1548180" y="123825"/>
+                </a:lnTo>
+                <a:lnTo>
+                  <a:pt x="123825" y="123825"/>
+                </a:lnTo>
+                <a:lnTo>
+                  <a:pt x="123825" y="1022351"/>
+                </a:lnTo>
+                <a:lnTo>
+                  <a:pt x="0" y="1022351"/>
+                </a:lnTo>
+                <a:lnTo>
+                  <a:pt x="0" y="61913"/>
+                </a:lnTo>
+                <a:cubicBezTo>
+                  <a:pt x="0" y="27719"/>
+                  <a:pt x="27719" y="0"/>
+                  <a:pt x="61913" y="0"/>
+                </a:cubicBezTo>
+                <a:close/>
+              </a:path>
+            </a:pathLst>
+          </a:custGeom>
+          <a:solidFill>
+            <a:schemeClr val="accent6"/>
+          </a:solidFill>
+          <a:ln w="9525" cap="flat">
+            <a:noFill/>
+            <a:prstDash val="solid"/>
+            <a:miter/>
+          </a:ln>
+        </p:spPr>
+        <p:txBody>
+          <a:bodyPr rtlCol="0" anchor="ctr"/>
+          <a:lstStyle/>
+          <a:p>
+            <a:endParaRPr lang="en-US"/>
+          </a:p>
+        </p:txBody>
+      </p:sp>
+      <p:sp>
+        <p:nvSpPr>
+          <p:cNvPr id="23" name="Freeform: Shape 22">
+            <a:extLst>
+              <a:ext uri="{FF2B5EF4-FFF2-40B4-BE49-F238E27FC236}">
+                <a16:creationId xmlns:a16="http://schemas.microsoft.com/office/drawing/2014/main" id="{2D2964BB-484D-45AE-AD66-D407D0629652}"/>
+              </a:ext>
+              <a:ext uri="{C183D7F6-B498-43B3-948B-1728B52AA6E4}">
+                <adec:decorative xmlns:adec="http://schemas.microsoft.com/office/drawing/2017/decorative" val="1"/>
+              </a:ext>
+            </a:extLst>
+          </p:cNvPr>
+          <p:cNvSpPr>
+            <a:spLocks noGrp="1" noRot="1" noChangeAspect="1" noMove="1" noResize="1" noEditPoints="1" noAdjustHandles="1" noChangeArrowheads="1" noChangeShapeType="1" noTextEdit="1"/>
+          </p:cNvSpPr>
+          <p:nvPr>
+            <p:extLst>
+              <p:ext uri="{386F3935-93C4-4BCD-93E2-E3B085C9AB24}">
+                <p16:designElem xmlns:p16="http://schemas.microsoft.com/office/powerpoint/2015/main" val="1"/>
+              </p:ext>
+            </p:extLst>
+          </p:nvPr>
+        </p:nvSpPr>
+        <p:spPr>
+          <a:xfrm flipH="1">
+            <a:off x="3418308" y="5717905"/>
+            <a:ext cx="1771609" cy="1140095"/>
+          </a:xfrm>
+          <a:custGeom>
+            <a:avLst/>
+            <a:gdLst>
+              <a:gd name="connsiteX0" fmla="*/ 1561721 w 1771609"/>
+              <a:gd name="connsiteY0" fmla="*/ 763041 h 1140095"/>
+              <a:gd name="connsiteX1" fmla="*/ 1623024 w 1771609"/>
+              <a:gd name="connsiteY1" fmla="*/ 792810 h 1140095"/>
+              <a:gd name="connsiteX2" fmla="*/ 1711735 w 1771609"/>
+              <a:gd name="connsiteY2" fmla="*/ 970132 h 1140095"/>
+              <a:gd name="connsiteX3" fmla="*/ 1771609 w 1771609"/>
+              <a:gd name="connsiteY3" fmla="*/ 1140095 h 1140095"/>
+              <a:gd name="connsiteX4" fmla="*/ 1637225 w 1771609"/>
+              <a:gd name="connsiteY4" fmla="*/ 1140095 h 1140095"/>
+              <a:gd name="connsiteX5" fmla="*/ 1594820 w 1771609"/>
+              <a:gd name="connsiteY5" fmla="*/ 1019711 h 1140095"/>
+              <a:gd name="connsiteX6" fmla="*/ 1513200 w 1771609"/>
+              <a:gd name="connsiteY6" fmla="*/ 856627 h 1140095"/>
+              <a:gd name="connsiteX7" fmla="*/ 1538499 w 1771609"/>
+              <a:gd name="connsiteY7" fmla="*/ 770415 h 1140095"/>
+              <a:gd name="connsiteX8" fmla="*/ 1561721 w 1771609"/>
+              <a:gd name="connsiteY8" fmla="*/ 763041 h 1140095"/>
+              <a:gd name="connsiteX9" fmla="*/ 933455 w 1771609"/>
+              <a:gd name="connsiteY9" fmla="*/ 161309 h 1140095"/>
+              <a:gd name="connsiteX10" fmla="*/ 957797 w 1771609"/>
+              <a:gd name="connsiteY10" fmla="*/ 167970 h 1140095"/>
+              <a:gd name="connsiteX11" fmla="*/ 1286982 w 1771609"/>
+              <a:gd name="connsiteY11" fmla="*/ 387616 h 1140095"/>
+              <a:gd name="connsiteX12" fmla="*/ 1293725 w 1771609"/>
+              <a:gd name="connsiteY12" fmla="*/ 477075 h 1140095"/>
+              <a:gd name="connsiteX13" fmla="*/ 1245453 w 1771609"/>
+              <a:gd name="connsiteY13" fmla="*/ 499154 h 1140095"/>
+              <a:gd name="connsiteX14" fmla="*/ 1245167 w 1771609"/>
+              <a:gd name="connsiteY14" fmla="*/ 499154 h 1140095"/>
+              <a:gd name="connsiteX15" fmla="*/ 1203638 w 1771609"/>
+              <a:gd name="connsiteY15" fmla="*/ 484104 h 1140095"/>
+              <a:gd name="connsiteX16" fmla="*/ 900647 w 1771609"/>
+              <a:gd name="connsiteY16" fmla="*/ 281508 h 1140095"/>
+              <a:gd name="connsiteX17" fmla="*/ 872454 w 1771609"/>
+              <a:gd name="connsiteY17" fmla="*/ 196164 h 1140095"/>
+              <a:gd name="connsiteX18" fmla="*/ 933455 w 1771609"/>
+              <a:gd name="connsiteY18" fmla="*/ 161309 h 1140095"/>
+              <a:gd name="connsiteX19" fmla="*/ 256260 w 1771609"/>
+              <a:gd name="connsiteY19" fmla="*/ 29 h 1140095"/>
+              <a:gd name="connsiteX20" fmla="*/ 454020 w 1771609"/>
+              <a:gd name="connsiteY20" fmla="*/ 13474 h 1140095"/>
+              <a:gd name="connsiteX21" fmla="*/ 509236 w 1771609"/>
+              <a:gd name="connsiteY21" fmla="*/ 84182 h 1140095"/>
+              <a:gd name="connsiteX22" fmla="*/ 445829 w 1771609"/>
+              <a:gd name="connsiteY22" fmla="*/ 139871 h 1140095"/>
+              <a:gd name="connsiteX23" fmla="*/ 437447 w 1771609"/>
+              <a:gd name="connsiteY23" fmla="*/ 139395 h 1140095"/>
+              <a:gd name="connsiteX24" fmla="*/ 73211 w 1771609"/>
+              <a:gd name="connsiteY24" fmla="*/ 137204 h 1140095"/>
+              <a:gd name="connsiteX25" fmla="*/ 749 w 1771609"/>
+              <a:gd name="connsiteY25" fmla="*/ 84082 h 1140095"/>
+              <a:gd name="connsiteX26" fmla="*/ 53871 w 1771609"/>
+              <a:gd name="connsiteY26" fmla="*/ 11621 h 1140095"/>
+              <a:gd name="connsiteX27" fmla="*/ 58352 w 1771609"/>
+              <a:gd name="connsiteY27" fmla="*/ 11093 h 1140095"/>
+              <a:gd name="connsiteX28" fmla="*/ 256260 w 1771609"/>
+              <a:gd name="connsiteY28" fmla="*/ 29 h 1140095"/>
+            </a:gdLst>
+            <a:ahLst/>
+            <a:cxnLst>
+              <a:cxn ang="0">
+                <a:pos x="connsiteX0" y="connsiteY0"/>
+              </a:cxn>
+              <a:cxn ang="0">
+                <a:pos x="connsiteX1" y="connsiteY1"/>
+              </a:cxn>
+              <a:cxn ang="0">
+                <a:pos x="connsiteX2" y="connsiteY2"/>
+              </a:cxn>
+              <a:cxn ang="0">
+                <a:pos x="connsiteX3" y="connsiteY3"/>
+              </a:cxn>
+              <a:cxn ang="0">
+                <a:pos x="connsiteX4" y="connsiteY4"/>
+              </a:cxn>
+              <a:cxn ang="0">
+                <a:pos x="connsiteX5" y="connsiteY5"/>
+              </a:cxn>
+              <a:cxn ang="0">
+                <a:pos x="connsiteX6" y="connsiteY6"/>
+              </a:cxn>
+              <a:cxn ang="0">
+                <a:pos x="connsiteX7" y="connsiteY7"/>
+              </a:cxn>
+              <a:cxn ang="0">
+                <a:pos x="connsiteX8" y="connsiteY8"/>
+              </a:cxn>
+              <a:cxn ang="0">
+                <a:pos x="connsiteX9" y="connsiteY9"/>
+              </a:cxn>
+              <a:cxn ang="0">
+                <a:pos x="connsiteX10" y="connsiteY10"/>
+              </a:cxn>
+              <a:cxn ang="0">
+                <a:pos x="connsiteX11" y="connsiteY11"/>
+              </a:cxn>
+              <a:cxn ang="0">
+                <a:pos x="connsiteX12" y="connsiteY12"/>
+              </a:cxn>
+              <a:cxn ang="0">
+                <a:pos x="connsiteX13" y="connsiteY13"/>
+              </a:cxn>
+              <a:cxn ang="0">
+                <a:pos x="connsiteX14" y="connsiteY14"/>
+              </a:cxn>
+              <a:cxn ang="0">
+                <a:pos x="connsiteX15" y="connsiteY15"/>
+              </a:cxn>
+              <a:cxn ang="0">
+                <a:pos x="connsiteX16" y="connsiteY16"/>
+              </a:cxn>
+              <a:cxn ang="0">
+                <a:pos x="connsiteX17" y="connsiteY17"/>
+              </a:cxn>
+              <a:cxn ang="0">
+                <a:pos x="connsiteX18" y="connsiteY18"/>
+              </a:cxn>
+              <a:cxn ang="0">
+                <a:pos x="connsiteX19" y="connsiteY19"/>
+              </a:cxn>
+              <a:cxn ang="0">
+                <a:pos x="connsiteX20" y="connsiteY20"/>
+              </a:cxn>
+              <a:cxn ang="0">
+                <a:pos x="connsiteX21" y="connsiteY21"/>
+              </a:cxn>
+              <a:cxn ang="0">
+                <a:pos x="connsiteX22" y="connsiteY22"/>
+              </a:cxn>
+              <a:cxn ang="0">
+                <a:pos x="connsiteX23" y="connsiteY23"/>
+              </a:cxn>
+              <a:cxn ang="0">
+                <a:pos x="connsiteX24" y="connsiteY24"/>
+              </a:cxn>
+              <a:cxn ang="0">
+                <a:pos x="connsiteX25" y="connsiteY25"/>
+              </a:cxn>
+              <a:cxn ang="0">
+                <a:pos x="connsiteX26" y="connsiteY26"/>
+              </a:cxn>
+              <a:cxn ang="0">
+                <a:pos x="connsiteX27" y="connsiteY27"/>
+              </a:cxn>
+              <a:cxn ang="0">
+                <a:pos x="connsiteX28" y="connsiteY28"/>
+              </a:cxn>
+            </a:cxnLst>
+            <a:rect l="l" t="t" r="r" b="b"/>
+            <a:pathLst>
+              <a:path w="1771609" h="1140095">
+                <a:moveTo>
+                  <a:pt x="1561721" y="763041"/>
+                </a:moveTo>
+                <a:cubicBezTo>
+                  <a:pt x="1585506" y="760324"/>
+                  <a:pt x="1609722" y="771249"/>
+                  <a:pt x="1623024" y="792810"/>
+                </a:cubicBezTo>
+                <a:cubicBezTo>
+                  <a:pt x="1656300" y="850065"/>
+                  <a:pt x="1685920" y="909291"/>
+                  <a:pt x="1711735" y="970132"/>
+                </a:cubicBezTo>
+                <a:lnTo>
+                  <a:pt x="1771609" y="1140095"/>
+                </a:lnTo>
+                <a:lnTo>
+                  <a:pt x="1637225" y="1140095"/>
+                </a:lnTo>
+                <a:lnTo>
+                  <a:pt x="1594820" y="1019711"/>
+                </a:lnTo>
+                <a:cubicBezTo>
+                  <a:pt x="1571072" y="963753"/>
+                  <a:pt x="1543818" y="909282"/>
+                  <a:pt x="1513200" y="856627"/>
+                </a:cubicBezTo>
+                <a:cubicBezTo>
+                  <a:pt x="1496379" y="825834"/>
+                  <a:pt x="1507704" y="787236"/>
+                  <a:pt x="1538499" y="770415"/>
+                </a:cubicBezTo>
+                <a:cubicBezTo>
+                  <a:pt x="1545912" y="766367"/>
+                  <a:pt x="1553792" y="763946"/>
+                  <a:pt x="1561721" y="763041"/>
+                </a:cubicBezTo>
+                <a:close/>
+                <a:moveTo>
+                  <a:pt x="933455" y="161309"/>
+                </a:moveTo>
+                <a:cubicBezTo>
+                  <a:pt x="941693" y="161855"/>
+                  <a:pt x="949959" y="164025"/>
+                  <a:pt x="957797" y="167970"/>
+                </a:cubicBezTo>
+                <a:cubicBezTo>
+                  <a:pt x="1076184" y="227289"/>
+                  <a:pt x="1186759" y="301068"/>
+                  <a:pt x="1286982" y="387616"/>
+                </a:cubicBezTo>
+                <a:cubicBezTo>
+                  <a:pt x="1313547" y="410457"/>
+                  <a:pt x="1316566" y="450510"/>
+                  <a:pt x="1293725" y="477075"/>
+                </a:cubicBezTo>
+                <a:cubicBezTo>
+                  <a:pt x="1281638" y="491137"/>
+                  <a:pt x="1263998" y="499204"/>
+                  <a:pt x="1245453" y="499154"/>
+                </a:cubicBezTo>
+                <a:lnTo>
+                  <a:pt x="1245167" y="499154"/>
+                </a:lnTo>
+                <a:cubicBezTo>
+                  <a:pt x="1229965" y="499301"/>
+                  <a:pt x="1215220" y="493956"/>
+                  <a:pt x="1203638" y="484104"/>
+                </a:cubicBezTo>
+                <a:cubicBezTo>
+                  <a:pt x="1111407" y="404300"/>
+                  <a:pt x="1009633" y="336248"/>
+                  <a:pt x="900647" y="281508"/>
+                </a:cubicBezTo>
+                <a:cubicBezTo>
+                  <a:pt x="869295" y="265726"/>
+                  <a:pt x="856672" y="227516"/>
+                  <a:pt x="872454" y="196164"/>
+                </a:cubicBezTo>
+                <a:cubicBezTo>
+                  <a:pt x="884290" y="172650"/>
+                  <a:pt x="908742" y="159670"/>
+                  <a:pt x="933455" y="161309"/>
+                </a:cubicBezTo>
+                <a:close/>
+                <a:moveTo>
+                  <a:pt x="256260" y="29"/>
+                </a:moveTo>
+                <a:cubicBezTo>
+                  <a:pt x="322331" y="427"/>
+                  <a:pt x="388378" y="4909"/>
+                  <a:pt x="454020" y="13474"/>
+                </a:cubicBezTo>
+                <a:cubicBezTo>
+                  <a:pt x="488793" y="17752"/>
+                  <a:pt x="513514" y="49409"/>
+                  <a:pt x="509236" y="84182"/>
+                </a:cubicBezTo>
+                <a:cubicBezTo>
+                  <a:pt x="505303" y="116151"/>
+                  <a:pt x="478038" y="140098"/>
+                  <a:pt x="445829" y="139871"/>
+                </a:cubicBezTo>
+                <a:cubicBezTo>
+                  <a:pt x="443027" y="139899"/>
+                  <a:pt x="440227" y="139740"/>
+                  <a:pt x="437447" y="139395"/>
+                </a:cubicBezTo>
+                <a:cubicBezTo>
+                  <a:pt x="316592" y="123615"/>
+                  <a:pt x="194247" y="122878"/>
+                  <a:pt x="73211" y="137204"/>
+                </a:cubicBezTo>
+                <a:cubicBezTo>
+                  <a:pt x="38532" y="142545"/>
+                  <a:pt x="6090" y="118762"/>
+                  <a:pt x="749" y="84082"/>
+                </a:cubicBezTo>
+                <a:cubicBezTo>
+                  <a:pt x="-4591" y="49403"/>
+                  <a:pt x="19192" y="16961"/>
+                  <a:pt x="53871" y="11621"/>
+                </a:cubicBezTo>
+                <a:cubicBezTo>
+                  <a:pt x="55358" y="11392"/>
+                  <a:pt x="56852" y="11216"/>
+                  <a:pt x="58352" y="11093"/>
+                </a:cubicBezTo>
+                <a:cubicBezTo>
+                  <a:pt x="124093" y="3319"/>
+                  <a:pt x="190189" y="-369"/>
+                  <a:pt x="256260" y="29"/>
+                </a:cubicBezTo>
+                <a:close/>
+              </a:path>
+            </a:pathLst>
+          </a:custGeom>
+          <a:solidFill>
+            <a:schemeClr val="accent4"/>
+          </a:solidFill>
+          <a:ln w="9525" cap="flat">
+            <a:noFill/>
+            <a:prstDash val="solid"/>
+            <a:miter/>
+          </a:ln>
+        </p:spPr>
+        <p:txBody>
+          <a:bodyPr rtlCol="0" anchor="ctr"/>
+          <a:lstStyle/>
+          <a:p>
+            <a:endParaRPr lang="en-US"/>
+          </a:p>
+        </p:txBody>
+      </p:sp>
+      <p:sp>
+        <p:nvSpPr>
+          <p:cNvPr id="25" name="Freeform: Shape 24">
+            <a:extLst>
+              <a:ext uri="{FF2B5EF4-FFF2-40B4-BE49-F238E27FC236}">
+                <a16:creationId xmlns:a16="http://schemas.microsoft.com/office/drawing/2014/main" id="{6691AC69-A76E-4DAB-B565-468B6B87ACF3}"/>
+              </a:ext>
+              <a:ext uri="{C183D7F6-B498-43B3-948B-1728B52AA6E4}">
+                <adec:decorative xmlns:adec="http://schemas.microsoft.com/office/drawing/2017/decorative" val="1"/>
+              </a:ext>
+            </a:extLst>
+          </p:cNvPr>
+          <p:cNvSpPr>
+            <a:spLocks noGrp="1" noRot="1" noChangeAspect="1" noMove="1" noResize="1" noEditPoints="1" noAdjustHandles="1" noChangeArrowheads="1" noChangeShapeType="1" noTextEdit="1"/>
+          </p:cNvSpPr>
+          <p:nvPr>
+            <p:extLst>
+              <p:ext uri="{386F3935-93C4-4BCD-93E2-E3B085C9AB24}">
+                <p16:designElem xmlns:p16="http://schemas.microsoft.com/office/powerpoint/2015/main" val="1"/>
+              </p:ext>
+            </p:extLst>
+          </p:nvPr>
+        </p:nvSpPr>
+        <p:spPr>
+          <a:xfrm flipH="1">
+            <a:off x="4132972" y="6258755"/>
+            <a:ext cx="1565940" cy="599245"/>
+          </a:xfrm>
+          <a:custGeom>
+            <a:avLst/>
+            <a:gdLst>
+              <a:gd name="connsiteX0" fmla="*/ 782970 w 1565940"/>
+              <a:gd name="connsiteY0" fmla="*/ 0 h 599245"/>
+              <a:gd name="connsiteX1" fmla="*/ 1528042 w 1565940"/>
+              <a:gd name="connsiteY1" fmla="*/ 480469 h 599245"/>
+              <a:gd name="connsiteX2" fmla="*/ 1565940 w 1565940"/>
+              <a:gd name="connsiteY2" fmla="*/ 599245 h 599245"/>
+              <a:gd name="connsiteX3" fmla="*/ 0 w 1565940"/>
+              <a:gd name="connsiteY3" fmla="*/ 599245 h 599245"/>
+              <a:gd name="connsiteX4" fmla="*/ 37898 w 1565940"/>
+              <a:gd name="connsiteY4" fmla="*/ 480469 h 599245"/>
+              <a:gd name="connsiteX5" fmla="*/ 782970 w 1565940"/>
+              <a:gd name="connsiteY5" fmla="*/ 0 h 599245"/>
+            </a:gdLst>
+            <a:ahLst/>
+            <a:cxnLst>
+              <a:cxn ang="0">
+                <a:pos x="connsiteX0" y="connsiteY0"/>
+              </a:cxn>
+              <a:cxn ang="0">
+                <a:pos x="connsiteX1" y="connsiteY1"/>
+              </a:cxn>
+              <a:cxn ang="0">
+                <a:pos x="connsiteX2" y="connsiteY2"/>
+              </a:cxn>
+              <a:cxn ang="0">
+                <a:pos x="connsiteX3" y="connsiteY3"/>
+              </a:cxn>
+              <a:cxn ang="0">
+                <a:pos x="connsiteX4" y="connsiteY4"/>
+              </a:cxn>
+              <a:cxn ang="0">
+                <a:pos x="connsiteX5" y="connsiteY5"/>
+              </a:cxn>
+            </a:cxnLst>
+            <a:rect l="l" t="t" r="r" b="b"/>
+            <a:pathLst>
+              <a:path w="1565940" h="599245">
+                <a:moveTo>
+                  <a:pt x="782970" y="0"/>
+                </a:moveTo>
+                <a:cubicBezTo>
+                  <a:pt x="1117910" y="0"/>
+                  <a:pt x="1405287" y="198118"/>
+                  <a:pt x="1528042" y="480469"/>
+                </a:cubicBezTo>
+                <a:lnTo>
+                  <a:pt x="1565940" y="599245"/>
+                </a:lnTo>
+                <a:lnTo>
+                  <a:pt x="0" y="599245"/>
+                </a:lnTo>
+                <a:lnTo>
+                  <a:pt x="37898" y="480469"/>
+                </a:lnTo>
+                <a:cubicBezTo>
+                  <a:pt x="160653" y="198118"/>
+                  <a:pt x="448030" y="0"/>
+                  <a:pt x="782970" y="0"/>
+                </a:cubicBezTo>
+                <a:close/>
+              </a:path>
+            </a:pathLst>
+          </a:custGeom>
+          <a:solidFill>
+            <a:schemeClr val="accent2"/>
+          </a:solidFill>
+          <a:ln>
+            <a:noFill/>
+          </a:ln>
+        </p:spPr>
+        <p:style>
+          <a:lnRef idx="2">
+            <a:schemeClr val="accent1">
+              <a:shade val="50000"/>
+            </a:schemeClr>
+          </a:lnRef>
+          <a:fillRef idx="1">
+            <a:schemeClr val="accent1"/>
+          </a:fillRef>
+          <a:effectRef idx="0">
+            <a:schemeClr val="accent1"/>
+          </a:effectRef>
+          <a:fontRef idx="minor">
+            <a:schemeClr val="lt1"/>
+          </a:fontRef>
+        </p:style>
+        <p:txBody>
+          <a:bodyPr wrap="square" rtlCol="0" anchor="ctr">
+            <a:noAutofit/>
+          </a:bodyPr>
+          <a:lstStyle/>
+          <a:p>
+            <a:pPr algn="ctr"/>
+            <a:endParaRPr lang="en-US" dirty="0"/>
+          </a:p>
+        </p:txBody>
+      </p:sp>
+    </p:spTree>
+    <p:extLst>
+      <p:ext uri="{BB962C8B-B14F-4D97-AF65-F5344CB8AC3E}">
+        <p14:creationId xmlns:p14="http://schemas.microsoft.com/office/powerpoint/2010/main" val="3803983155"/>
+      </p:ext>
+    </p:extLst>
+  </p:cSld>
+  <p:clrMapOvr>
+    <a:masterClrMapping/>
+  </p:clrMapOvr>
+</p:sld>
+</file>
+
+<file path=ppt/slides/slide3.xml><?xml version="1.0" encoding="utf-8"?>
+<p:sld xmlns:a="http://schemas.openxmlformats.org/drawingml/2006/main" xmlns:r="http://schemas.openxmlformats.org/officeDocument/2006/relationships" xmlns:p="http://schemas.openxmlformats.org/presentationml/2006/main">
+  <p:cSld>
+    <p:bg>
+      <p:bgPr>
+        <a:solidFill>
+          <a:schemeClr val="bg1"/>
+        </a:solidFill>
+        <a:effectLst/>
+      </p:bgPr>
+    </p:bg>
+    <p:spTree>
+      <p:nvGrpSpPr>
+        <p:cNvPr id="1" name=""/>
+        <p:cNvGrpSpPr/>
+        <p:nvPr/>
+      </p:nvGrpSpPr>
+      <p:grpSpPr>
+        <a:xfrm>
+          <a:off x="0" y="0"/>
+          <a:ext cx="0" cy="0"/>
+          <a:chOff x="0" y="0"/>
+          <a:chExt cx="0" cy="0"/>
+        </a:xfrm>
+      </p:grpSpPr>
+      <p:sp useBgFill="1">
+        <p:nvSpPr>
+          <p:cNvPr id="8" name="Rectangle 7">
+            <a:extLst>
+              <a:ext uri="{FF2B5EF4-FFF2-40B4-BE49-F238E27FC236}">
+                <a16:creationId xmlns:a16="http://schemas.microsoft.com/office/drawing/2014/main" id="{3AD318CC-E2A8-4E27-9548-A047A78999B1}"/>
+              </a:ext>
+              <a:ext uri="{C183D7F6-B498-43B3-948B-1728B52AA6E4}">
+                <adec:decorative xmlns:adec="http://schemas.microsoft.com/office/drawing/2017/decorative" val="1"/>
+              </a:ext>
+            </a:extLst>
+          </p:cNvPr>
+          <p:cNvSpPr>
+            <a:spLocks noGrp="1" noRot="1" noChangeAspect="1" noMove="1" noResize="1" noEditPoints="1" noAdjustHandles="1" noChangeArrowheads="1" noChangeShapeType="1" noTextEdit="1"/>
+          </p:cNvSpPr>
+          <p:nvPr>
+            <p:extLst>
+              <p:ext uri="{386F3935-93C4-4BCD-93E2-E3B085C9AB24}">
+                <p16:designElem xmlns:p16="http://schemas.microsoft.com/office/powerpoint/2015/main" val="1"/>
+              </p:ext>
+            </p:extLst>
+          </p:nvPr>
+        </p:nvSpPr>
+        <p:spPr>
+          <a:xfrm>
+            <a:off x="0" y="0"/>
+            <a:ext cx="12191999" cy="6857365"/>
+          </a:xfrm>
+          <a:prstGeom prst="rect">
+            <a:avLst/>
+          </a:prstGeom>
+          <a:ln>
+            <a:noFill/>
+          </a:ln>
+        </p:spPr>
+        <p:style>
+          <a:lnRef idx="2">
+            <a:schemeClr val="accent1">
+              <a:shade val="50000"/>
+            </a:schemeClr>
+          </a:lnRef>
+          <a:fillRef idx="1">
+            <a:schemeClr val="accent1"/>
+          </a:fillRef>
+          <a:effectRef idx="0">
+            <a:schemeClr val="accent1"/>
+          </a:effectRef>
+          <a:fontRef idx="minor">
+            <a:schemeClr val="lt1"/>
+          </a:fontRef>
+        </p:style>
+        <p:txBody>
+          <a:bodyPr rtlCol="0" anchor="ctr"/>
+          <a:lstStyle/>
+          <a:p>
+            <a:pPr algn="ctr"/>
+            <a:endParaRPr lang="en-US"/>
+          </a:p>
+        </p:txBody>
+      </p:sp>
+      <p:sp>
+        <p:nvSpPr>
+          <p:cNvPr id="2" name="TextBox 1">
+            <a:extLst>
+              <a:ext uri="{FF2B5EF4-FFF2-40B4-BE49-F238E27FC236}">
+                <a16:creationId xmlns:a16="http://schemas.microsoft.com/office/drawing/2014/main" id="{56E293FB-7952-8C5F-DAC0-E3467FF752B0}"/>
+              </a:ext>
+            </a:extLst>
+          </p:cNvPr>
+          <p:cNvSpPr txBox="1"/>
+          <p:nvPr/>
+        </p:nvSpPr>
+        <p:spPr>
+          <a:xfrm>
+            <a:off x="645065" y="1463040"/>
+            <a:ext cx="3796306" cy="2690949"/>
+          </a:xfrm>
+          <a:prstGeom prst="rect">
+            <a:avLst/>
+          </a:prstGeom>
+        </p:spPr>
+        <p:txBody>
+          <a:bodyPr vert="horz" lIns="91440" tIns="45720" rIns="91440" bIns="45720" rtlCol="0" anchor="t">
+            <a:normAutofit/>
+          </a:bodyPr>
+          <a:lstStyle/>
+          <a:p>
+            <a:pPr>
+              <a:lnSpc>
+                <a:spcPct val="90000"/>
+              </a:lnSpc>
+              <a:spcBef>
+                <a:spcPct val="0"/>
+              </a:spcBef>
+              <a:spcAft>
+                <a:spcPts val="600"/>
+              </a:spcAft>
+            </a:pPr>
+            <a:r>
+              <a:rPr lang="en-US" sz="4800" b="1" kern="1200">
+                <a:solidFill>
+                  <a:schemeClr val="tx1"/>
+                </a:solidFill>
+                <a:latin typeface="+mj-lt"/>
+                <a:ea typeface="+mj-ea"/>
+                <a:cs typeface="+mj-cs"/>
+              </a:rPr>
+              <a:t>Kiểm thử</a:t>
+            </a:r>
+          </a:p>
+        </p:txBody>
+      </p:sp>
+      <p:grpSp>
+        <p:nvGrpSpPr>
+          <p:cNvPr id="10" name="Group 9">
+            <a:extLst>
+              <a:ext uri="{FF2B5EF4-FFF2-40B4-BE49-F238E27FC236}">
+                <a16:creationId xmlns:a16="http://schemas.microsoft.com/office/drawing/2014/main" id="{B14B560F-9DD7-4302-A60B-EBD3EF59B073}"/>
+              </a:ext>
+              <a:ext uri="{C183D7F6-B498-43B3-948B-1728B52AA6E4}">
+                <adec:decorative xmlns:adec="http://schemas.microsoft.com/office/drawing/2017/decorative" val="1"/>
+              </a:ext>
+            </a:extLst>
+          </p:cNvPr>
+          <p:cNvGrpSpPr>
+            <a:grpSpLocks noGrp="1" noUngrp="1" noRot="1" noChangeAspect="1" noMove="1" noResize="1"/>
+          </p:cNvGrpSpPr>
+          <p:nvPr>
+            <p:extLst>
+              <p:ext uri="{386F3935-93C4-4BCD-93E2-E3B085C9AB24}">
+                <p16:designElem xmlns:p16="http://schemas.microsoft.com/office/powerpoint/2015/main" val="1"/>
+              </p:ext>
+            </p:extLst>
+          </p:nvPr>
+        </p:nvGrpSpPr>
+        <p:grpSpPr>
+          <a:xfrm>
+            <a:off x="209667" y="4415246"/>
+            <a:ext cx="11982332" cy="2087795"/>
+            <a:chOff x="143163" y="5763486"/>
+            <a:chExt cx="11982332" cy="739555"/>
+          </a:xfrm>
+        </p:grpSpPr>
+        <p:sp>
+          <p:nvSpPr>
+            <p:cNvPr id="11" name="Rectangle 10">
+              <a:extLst>
+                <a:ext uri="{FF2B5EF4-FFF2-40B4-BE49-F238E27FC236}">
+                  <a16:creationId xmlns:a16="http://schemas.microsoft.com/office/drawing/2014/main" id="{3A9A4357-BD1D-4622-A4FE-766E6AB8DE84}"/>
+                </a:ext>
+                <a:ext uri="{C183D7F6-B498-43B3-948B-1728B52AA6E4}">
+                  <adec:decorative xmlns:adec="http://schemas.microsoft.com/office/drawing/2017/decorative" val="1"/>
+                </a:ext>
+              </a:extLst>
+            </p:cNvPr>
+            <p:cNvSpPr/>
+            <p:nvPr>
+              <p:extLst>
+                <p:ext uri="{386F3935-93C4-4BCD-93E2-E3B085C9AB24}">
+                  <p16:designElem xmlns:p16="http://schemas.microsoft.com/office/powerpoint/2015/main" val="1"/>
+                </p:ext>
+              </p:extLst>
+            </p:nvPr>
+          </p:nvSpPr>
+          <p:spPr>
+            <a:xfrm flipH="1" flipV="1">
+              <a:off x="357444" y="5763486"/>
+              <a:ext cx="11768051" cy="739555"/>
+            </a:xfrm>
+            <a:prstGeom prst="rect">
+              <a:avLst/>
+            </a:prstGeom>
+            <a:solidFill>
+              <a:schemeClr val="accent4"/>
+            </a:solidFill>
+            <a:ln>
+              <a:noFill/>
+            </a:ln>
+          </p:spPr>
+          <p:style>
+            <a:lnRef idx="2">
+              <a:schemeClr val="accent1">
+                <a:shade val="50000"/>
+              </a:schemeClr>
+            </a:lnRef>
+            <a:fillRef idx="1">
+              <a:schemeClr val="accent1"/>
+            </a:fillRef>
+            <a:effectRef idx="0">
+              <a:schemeClr val="accent1"/>
+            </a:effectRef>
+            <a:fontRef idx="minor">
+              <a:schemeClr val="lt1"/>
+            </a:fontRef>
+          </p:style>
+          <p:txBody>
+            <a:bodyPr rtlCol="0" anchor="ctr"/>
+            <a:lstStyle/>
+            <a:p>
+              <a:pPr algn="ctr"/>
+              <a:endParaRPr lang="en-US"/>
+            </a:p>
+          </p:txBody>
+        </p:sp>
+        <p:cxnSp>
+          <p:nvCxnSpPr>
+            <p:cNvPr id="12" name="Straight Connector 11">
+              <a:extLst>
+                <a:ext uri="{FF2B5EF4-FFF2-40B4-BE49-F238E27FC236}">
+                  <a16:creationId xmlns:a16="http://schemas.microsoft.com/office/drawing/2014/main" id="{C21D6966-343E-49AC-A026-D2497E0C3CA1}"/>
+                </a:ext>
+                <a:ext uri="{C183D7F6-B498-43B3-948B-1728B52AA6E4}">
+                  <adec:decorative xmlns:adec="http://schemas.microsoft.com/office/drawing/2017/decorative" val="1"/>
+                </a:ext>
+              </a:extLst>
+            </p:cNvPr>
+            <p:cNvCxnSpPr>
+              <a:cxnSpLocks/>
+            </p:cNvCxnSpPr>
+            <p:nvPr>
+              <p:extLst>
+                <p:ext uri="{386F3935-93C4-4BCD-93E2-E3B085C9AB24}">
+                  <p16:designElem xmlns:p16="http://schemas.microsoft.com/office/powerpoint/2015/main" val="1"/>
+                </p:ext>
+              </p:extLst>
+            </p:nvPr>
+          </p:nvCxnSpPr>
+          <p:spPr>
+            <a:xfrm flipH="1">
+              <a:off x="143163" y="5763486"/>
+              <a:ext cx="1" cy="739555"/>
+            </a:xfrm>
+            <a:prstGeom prst="line">
+              <a:avLst/>
+            </a:prstGeom>
+            <a:ln w="177800">
+              <a:solidFill>
+                <a:schemeClr val="accent4"/>
+              </a:solidFill>
+            </a:ln>
+          </p:spPr>
+          <p:style>
+            <a:lnRef idx="1">
+              <a:schemeClr val="accent1"/>
+            </a:lnRef>
+            <a:fillRef idx="0">
+              <a:schemeClr val="accent1"/>
+            </a:fillRef>
+            <a:effectRef idx="0">
+              <a:schemeClr val="accent1"/>
+            </a:effectRef>
+            <a:fontRef idx="minor">
+              <a:schemeClr val="tx1"/>
+            </a:fontRef>
+          </p:style>
+        </p:cxnSp>
+      </p:grpSp>
+      <p:sp>
+        <p:nvSpPr>
+          <p:cNvPr id="14" name="Rectangle 13">
+            <a:extLst>
+              <a:ext uri="{FF2B5EF4-FFF2-40B4-BE49-F238E27FC236}">
+                <a16:creationId xmlns:a16="http://schemas.microsoft.com/office/drawing/2014/main" id="{2C1BBA94-3F40-40AA-8BB9-E69E25E537C1}"/>
+              </a:ext>
+              <a:ext uri="{C183D7F6-B498-43B3-948B-1728B52AA6E4}">
+                <adec:decorative xmlns:adec="http://schemas.microsoft.com/office/drawing/2017/decorative" val="1"/>
+              </a:ext>
+            </a:extLst>
+          </p:cNvPr>
+          <p:cNvSpPr>
+            <a:spLocks noGrp="1" noRot="1" noChangeAspect="1" noMove="1" noResize="1" noEditPoints="1" noAdjustHandles="1" noChangeArrowheads="1" noChangeShapeType="1" noTextEdit="1"/>
+          </p:cNvSpPr>
+          <p:nvPr>
+            <p:extLst>
+              <p:ext uri="{386F3935-93C4-4BCD-93E2-E3B085C9AB24}">
+                <p16:designElem xmlns:p16="http://schemas.microsoft.com/office/powerpoint/2015/main" val="1"/>
+              </p:ext>
+            </p:extLst>
+          </p:nvPr>
+        </p:nvSpPr>
+        <p:spPr>
+          <a:xfrm>
+            <a:off x="5133706" y="587829"/>
+            <a:ext cx="6505300" cy="5682342"/>
+          </a:xfrm>
+          <a:prstGeom prst="rect">
+            <a:avLst/>
+          </a:prstGeom>
+          <a:solidFill>
+            <a:schemeClr val="bg1"/>
+          </a:solidFill>
+          <a:ln>
+            <a:noFill/>
+          </a:ln>
+          <a:effectLst>
+            <a:outerShdw blurRad="139700" dist="127000" dir="5400000" algn="t" rotWithShape="0">
+              <a:prstClr val="black">
+                <a:alpha val="15000"/>
+              </a:prstClr>
+            </a:outerShdw>
+          </a:effectLst>
+        </p:spPr>
+        <p:style>
+          <a:lnRef idx="2">
+            <a:schemeClr val="accent1">
+              <a:shade val="50000"/>
+            </a:schemeClr>
+          </a:lnRef>
+          <a:fillRef idx="1">
+            <a:schemeClr val="accent1"/>
+          </a:fillRef>
+          <a:effectRef idx="0">
+            <a:schemeClr val="accent1"/>
+          </a:effectRef>
+          <a:fontRef idx="minor">
+            <a:schemeClr val="lt1"/>
+          </a:fontRef>
+        </p:style>
+        <p:txBody>
+          <a:bodyPr rtlCol="0" anchor="ctr"/>
+          <a:lstStyle/>
+          <a:p>
+            <a:pPr algn="ctr"/>
+            <a:endParaRPr lang="en-US"/>
+          </a:p>
+        </p:txBody>
+      </p:sp>
+      <p:sp>
+        <p:nvSpPr>
+          <p:cNvPr id="3" name="TextBox 2">
+            <a:extLst>
+              <a:ext uri="{FF2B5EF4-FFF2-40B4-BE49-F238E27FC236}">
+                <a16:creationId xmlns:a16="http://schemas.microsoft.com/office/drawing/2014/main" id="{97F9E18C-4350-1E99-2F6F-5F77928A2C7F}"/>
+              </a:ext>
+            </a:extLst>
+          </p:cNvPr>
+          <p:cNvSpPr txBox="1"/>
+          <p:nvPr/>
+        </p:nvSpPr>
+        <p:spPr>
+          <a:xfrm>
+            <a:off x="5483498" y="924559"/>
+            <a:ext cx="5542387" cy="4705134"/>
+          </a:xfrm>
+          <a:prstGeom prst="rect">
+            <a:avLst/>
+          </a:prstGeom>
+        </p:spPr>
+        <p:txBody>
+          <a:bodyPr vert="horz" lIns="91440" tIns="45720" rIns="91440" bIns="45720" rtlCol="0" anchor="t">
+            <a:spAutoFit/>
+          </a:bodyPr>
+          <a:lstStyle/>
+          <a:p>
+            <a:pPr marL="285750" indent="-228600" algn="just">
+              <a:lnSpc>
+                <a:spcPct val="150000"/>
+              </a:lnSpc>
+              <a:spcAft>
+                <a:spcPts val="600"/>
+              </a:spcAft>
+              <a:buFont typeface="Arial" panose="020B0604020202020204" pitchFamily="34" charset="0"/>
+              <a:buChar char="•"/>
+            </a:pPr>
+            <a:r>
+              <a:rPr lang="en-US"/>
+              <a:t>Automation Testing là phương pháp kiểm thử tự động. Người tester sẽ phải viết các kịch bản kiểm thử sau đó sử dụng các tools hỗ trợ để thực hiện kiểm thử, phương pháp này sẽ giúp cho việc kiểm thử các thao tác lặp lại nhiều lần một cách hiệu quả</a:t>
+            </a:r>
+          </a:p>
+          <a:p>
+            <a:pPr marL="285750" indent="-228600" algn="just">
+              <a:lnSpc>
+                <a:spcPct val="150000"/>
+              </a:lnSpc>
+              <a:spcAft>
+                <a:spcPts val="600"/>
+              </a:spcAft>
+              <a:buFont typeface="Arial" panose="020B0604020202020204" pitchFamily="34" charset="0"/>
+              <a:buChar char="•"/>
+            </a:pPr>
+            <a:r>
+              <a:rPr lang="en-US"/>
+              <a:t>Kiểm thử hộp đen là một phương pháp kiểm thử phần mềm được thực hiện mà không cần biết cấu trúc bên trong hoặc cách thức hoạt động của phần mềm. Người kiểm thử chỉ nhìn vào phần mềm như một "hộp đen" và kiểm tra các chức năng của nó bằng cách cung cấp đầu vào và quan sát đầu ra.</a:t>
+            </a:r>
+          </a:p>
+        </p:txBody>
+      </p:sp>
+    </p:spTree>
+    <p:extLst>
+      <p:ext uri="{BB962C8B-B14F-4D97-AF65-F5344CB8AC3E}">
+        <p14:creationId xmlns:p14="http://schemas.microsoft.com/office/powerpoint/2010/main" val="1434276429"/>
+      </p:ext>
+    </p:extLst>
+  </p:cSld>
+  <p:clrMapOvr>
+    <a:masterClrMapping/>
+  </p:clrMapOvr>
+</p:sld>
+</file>
+
+<file path=ppt/slides/slide4.xml><?xml version="1.0" encoding="utf-8"?>
+<p:sld xmlns:a="http://schemas.openxmlformats.org/drawingml/2006/main" xmlns:r="http://schemas.openxmlformats.org/officeDocument/2006/relationships" xmlns:p="http://schemas.openxmlformats.org/presentationml/2006/main">
+  <p:cSld>
+    <p:bg>
+      <p:bgPr>
+        <a:solidFill>
+          <a:schemeClr val="bg1"/>
+        </a:solidFill>
+        <a:effectLst/>
+      </p:bgPr>
+    </p:bg>
+    <p:spTree>
+      <p:nvGrpSpPr>
+        <p:cNvPr id="1" name=""/>
+        <p:cNvGrpSpPr/>
+        <p:nvPr/>
+      </p:nvGrpSpPr>
+      <p:grpSpPr>
+        <a:xfrm>
+          <a:off x="0" y="0"/>
+          <a:ext cx="0" cy="0"/>
+          <a:chOff x="0" y="0"/>
+          <a:chExt cx="0" cy="0"/>
+        </a:xfrm>
+      </p:grpSpPr>
+      <p:sp useBgFill="1">
+        <p:nvSpPr>
+          <p:cNvPr id="2055" name="Rectangle 2054">
+            <a:extLst>
+              <a:ext uri="{FF2B5EF4-FFF2-40B4-BE49-F238E27FC236}">
+                <a16:creationId xmlns:a16="http://schemas.microsoft.com/office/drawing/2014/main" id="{058A14AF-9FB5-4CC7-BA35-E8E85D3EDF0E}"/>
+              </a:ext>
+              <a:ext uri="{C183D7F6-B498-43B3-948B-1728B52AA6E4}">
+                <adec:decorative xmlns:adec="http://schemas.microsoft.com/office/drawing/2017/decorative" val="1"/>
+              </a:ext>
+            </a:extLst>
+          </p:cNvPr>
+          <p:cNvSpPr>
+            <a:spLocks noGrp="1" noRot="1" noChangeAspect="1" noMove="1" noResize="1" noEditPoints="1" noAdjustHandles="1" noChangeArrowheads="1" noChangeShapeType="1" noTextEdit="1"/>
+          </p:cNvSpPr>
+          <p:nvPr>
+            <p:extLst>
+              <p:ext uri="{386F3935-93C4-4BCD-93E2-E3B085C9AB24}">
+                <p16:designElem xmlns:p16="http://schemas.microsoft.com/office/powerpoint/2015/main" val="1"/>
+              </p:ext>
+            </p:extLst>
+          </p:nvPr>
+        </p:nvSpPr>
+        <p:spPr>
+          <a:xfrm>
+            <a:off x="0" y="0"/>
+            <a:ext cx="12191999" cy="6857365"/>
+          </a:xfrm>
+          <a:prstGeom prst="rect">
+            <a:avLst/>
+          </a:prstGeom>
+          <a:ln>
+            <a:noFill/>
+          </a:ln>
+        </p:spPr>
+        <p:style>
+          <a:lnRef idx="2">
+            <a:schemeClr val="accent1">
+              <a:shade val="50000"/>
+            </a:schemeClr>
+          </a:lnRef>
+          <a:fillRef idx="1">
+            <a:schemeClr val="accent1"/>
+          </a:fillRef>
+          <a:effectRef idx="0">
+            <a:schemeClr val="accent1"/>
+          </a:effectRef>
+          <a:fontRef idx="minor">
+            <a:schemeClr val="lt1"/>
+          </a:fontRef>
+        </p:style>
+        <p:txBody>
+          <a:bodyPr rtlCol="0" anchor="ctr"/>
+          <a:lstStyle/>
+          <a:p>
+            <a:pPr algn="ctr"/>
+            <a:endParaRPr lang="en-US"/>
+          </a:p>
+        </p:txBody>
+      </p:sp>
+      <p:sp>
+        <p:nvSpPr>
+          <p:cNvPr id="2" name="TextBox 1">
+            <a:extLst>
+              <a:ext uri="{FF2B5EF4-FFF2-40B4-BE49-F238E27FC236}">
+                <a16:creationId xmlns:a16="http://schemas.microsoft.com/office/drawing/2014/main" id="{56E293FB-7952-8C5F-DAC0-E3467FF752B0}"/>
+              </a:ext>
+            </a:extLst>
+          </p:cNvPr>
+          <p:cNvSpPr txBox="1"/>
+          <p:nvPr/>
+        </p:nvSpPr>
+        <p:spPr>
+          <a:xfrm>
+            <a:off x="793662" y="386930"/>
+            <a:ext cx="10066122" cy="1298448"/>
+          </a:xfrm>
+          <a:prstGeom prst="rect">
+            <a:avLst/>
+          </a:prstGeom>
+        </p:spPr>
+        <p:txBody>
+          <a:bodyPr vert="horz" lIns="91440" tIns="45720" rIns="91440" bIns="45720" rtlCol="0" anchor="b">
+            <a:normAutofit/>
+          </a:bodyPr>
+          <a:lstStyle/>
+          <a:p>
+            <a:pPr>
+              <a:lnSpc>
+                <a:spcPct val="90000"/>
+              </a:lnSpc>
+              <a:spcBef>
+                <a:spcPct val="0"/>
+              </a:spcBef>
+              <a:spcAft>
+                <a:spcPts val="600"/>
+              </a:spcAft>
+            </a:pPr>
+            <a:r>
+              <a:rPr lang="en-US" sz="4800" b="1" kern="1200">
+                <a:solidFill>
+                  <a:schemeClr val="tx1"/>
+                </a:solidFill>
+                <a:latin typeface="+mj-lt"/>
+                <a:ea typeface="+mj-ea"/>
+                <a:cs typeface="+mj-cs"/>
+              </a:rPr>
+              <a:t>TestingWhiz là gì?</a:t>
+            </a:r>
+          </a:p>
+        </p:txBody>
+      </p:sp>
+      <p:sp>
+        <p:nvSpPr>
+          <p:cNvPr id="2057" name="Rectangle 2056">
+            <a:extLst>
+              <a:ext uri="{FF2B5EF4-FFF2-40B4-BE49-F238E27FC236}">
+                <a16:creationId xmlns:a16="http://schemas.microsoft.com/office/drawing/2014/main" id="{3A9A4357-BD1D-4622-A4FE-766E6AB8DE84}"/>
+              </a:ext>
+              <a:ext uri="{C183D7F6-B498-43B3-948B-1728B52AA6E4}">
+                <adec:decorative xmlns:adec="http://schemas.microsoft.com/office/drawing/2017/decorative" val="1"/>
+              </a:ext>
+            </a:extLst>
+          </p:cNvPr>
+          <p:cNvSpPr>
+            <a:spLocks noGrp="1" noRot="1" noChangeAspect="1" noMove="1" noResize="1" noEditPoints="1" noAdjustHandles="1" noChangeArrowheads="1" noChangeShapeType="1" noTextEdit="1"/>
+          </p:cNvSpPr>
+          <p:nvPr>
+            <p:extLst>
+              <p:ext uri="{386F3935-93C4-4BCD-93E2-E3B085C9AB24}">
+                <p16:designElem xmlns:p16="http://schemas.microsoft.com/office/powerpoint/2015/main" val="1"/>
+              </p:ext>
+            </p:extLst>
+          </p:nvPr>
+        </p:nvSpPr>
+        <p:spPr>
+          <a:xfrm flipH="1" flipV="1">
+            <a:off x="-2" y="1998845"/>
+            <a:ext cx="11454595" cy="781699"/>
+          </a:xfrm>
+          <a:prstGeom prst="rect">
+            <a:avLst/>
+          </a:prstGeom>
+          <a:solidFill>
+            <a:schemeClr val="accent4"/>
+          </a:solidFill>
+          <a:ln>
+            <a:noFill/>
+          </a:ln>
+        </p:spPr>
+        <p:style>
+          <a:lnRef idx="2">
+            <a:schemeClr val="accent1">
+              <a:shade val="50000"/>
+            </a:schemeClr>
+          </a:lnRef>
+          <a:fillRef idx="1">
+            <a:schemeClr val="accent1"/>
+          </a:fillRef>
+          <a:effectRef idx="0">
+            <a:schemeClr val="accent1"/>
+          </a:effectRef>
+          <a:fontRef idx="minor">
+            <a:schemeClr val="lt1"/>
+          </a:fontRef>
+        </p:style>
+        <p:txBody>
+          <a:bodyPr rtlCol="0" anchor="ctr"/>
+          <a:lstStyle/>
+          <a:p>
+            <a:pPr algn="ctr"/>
+            <a:endParaRPr lang="en-US"/>
+          </a:p>
+        </p:txBody>
+      </p:sp>
+      <p:sp>
+        <p:nvSpPr>
+          <p:cNvPr id="2059" name="Rectangle 2058">
+            <a:extLst>
+              <a:ext uri="{FF2B5EF4-FFF2-40B4-BE49-F238E27FC236}">
+                <a16:creationId xmlns:a16="http://schemas.microsoft.com/office/drawing/2014/main" id="{E659831F-0D9A-4C63-9EBB-8435B85A440F}"/>
+              </a:ext>
+              <a:ext uri="{C183D7F6-B498-43B3-948B-1728B52AA6E4}">
+                <adec:decorative xmlns:adec="http://schemas.microsoft.com/office/drawing/2017/decorative" val="1"/>
+              </a:ext>
+            </a:extLst>
+          </p:cNvPr>
+          <p:cNvSpPr>
+            <a:spLocks noGrp="1" noRot="1" noChangeAspect="1" noMove="1" noResize="1" noEditPoints="1" noAdjustHandles="1" noChangeArrowheads="1" noChangeShapeType="1" noTextEdit="1"/>
+          </p:cNvSpPr>
+          <p:nvPr>
+            <p:extLst>
+              <p:ext uri="{386F3935-93C4-4BCD-93E2-E3B085C9AB24}">
+                <p16:designElem xmlns:p16="http://schemas.microsoft.com/office/powerpoint/2015/main" val="1"/>
+              </p:ext>
+            </p:extLst>
+          </p:nvPr>
+        </p:nvSpPr>
+        <p:spPr>
+          <a:xfrm>
+            <a:off x="0" y="2203079"/>
+            <a:ext cx="11383362" cy="4267991"/>
+          </a:xfrm>
+          <a:prstGeom prst="rect">
+            <a:avLst/>
+          </a:prstGeom>
+          <a:solidFill>
+            <a:schemeClr val="bg1"/>
+          </a:solidFill>
+          <a:ln>
+            <a:noFill/>
+          </a:ln>
+          <a:effectLst>
+            <a:outerShdw blurRad="139700" dist="127000" dir="5400000" algn="t" rotWithShape="0">
+              <a:prstClr val="black">
+                <a:alpha val="15000"/>
+              </a:prstClr>
+            </a:outerShdw>
+          </a:effectLst>
+        </p:spPr>
+        <p:style>
+          <a:lnRef idx="2">
+            <a:schemeClr val="accent1">
+              <a:shade val="50000"/>
+            </a:schemeClr>
+          </a:lnRef>
+          <a:fillRef idx="1">
+            <a:schemeClr val="accent1"/>
+          </a:fillRef>
+          <a:effectRef idx="0">
+            <a:schemeClr val="accent1"/>
+          </a:effectRef>
+          <a:fontRef idx="minor">
+            <a:schemeClr val="lt1"/>
+          </a:fontRef>
+        </p:style>
+        <p:txBody>
+          <a:bodyPr rtlCol="0" anchor="ctr"/>
+          <a:lstStyle/>
+          <a:p>
+            <a:pPr algn="ctr"/>
+            <a:endParaRPr lang="en-US"/>
+          </a:p>
+        </p:txBody>
+      </p:sp>
+      <p:sp>
+        <p:nvSpPr>
+          <p:cNvPr id="3" name="TextBox 2">
+            <a:extLst>
+              <a:ext uri="{FF2B5EF4-FFF2-40B4-BE49-F238E27FC236}">
+                <a16:creationId xmlns:a16="http://schemas.microsoft.com/office/drawing/2014/main" id="{97F9E18C-4350-1E99-2F6F-5F77928A2C7F}"/>
+              </a:ext>
+            </a:extLst>
+          </p:cNvPr>
+          <p:cNvSpPr txBox="1"/>
+          <p:nvPr/>
+        </p:nvSpPr>
+        <p:spPr>
+          <a:xfrm>
+            <a:off x="793661" y="2599509"/>
+            <a:ext cx="4530898" cy="3639450"/>
+          </a:xfrm>
+          <a:prstGeom prst="rect">
+            <a:avLst/>
+          </a:prstGeom>
+        </p:spPr>
+        <p:txBody>
+          <a:bodyPr vert="horz" lIns="91440" tIns="45720" rIns="91440" bIns="45720" rtlCol="0" anchor="ctr">
+            <a:normAutofit/>
+          </a:bodyPr>
+          <a:lstStyle/>
+          <a:p>
+            <a:pPr marL="57150" indent="-228600">
+              <a:lnSpc>
+                <a:spcPct val="90000"/>
+              </a:lnSpc>
+              <a:spcAft>
+                <a:spcPts val="600"/>
+              </a:spcAft>
+              <a:buFont typeface="Arial" panose="020B0604020202020204" pitchFamily="34" charset="0"/>
+              <a:buChar char="•"/>
+            </a:pPr>
+            <a:r>
+              <a:rPr lang="en-US" sz="2000"/>
+              <a:t>	TestingWhiz là một công cụ tự động hóa kiểm thử phần mềm không cần viết code được phát triển bởi Cygnet Infotech, một nhà cung cấp giải pháp CNTT Cấp 3 của CMMI. </a:t>
+            </a:r>
+          </a:p>
+        </p:txBody>
+      </p:sp>
+      <p:pic>
+        <p:nvPicPr>
+          <p:cNvPr id="2050" name="Picture 2" descr="TestingWhiz Reviews: Pricing &amp; Software Features 2024 - Financesonline.com">
+            <a:extLst>
+              <a:ext uri="{FF2B5EF4-FFF2-40B4-BE49-F238E27FC236}">
+                <a16:creationId xmlns:a16="http://schemas.microsoft.com/office/drawing/2014/main" id="{1DB11C4F-733F-DF78-FF02-2303730FBFDC}"/>
+              </a:ext>
+            </a:extLst>
+          </p:cNvPr>
+          <p:cNvPicPr>
+            <a:picLocks noChangeAspect="1" noChangeArrowheads="1"/>
+          </p:cNvPicPr>
+          <p:nvPr/>
+        </p:nvPicPr>
+        <p:blipFill>
+          <a:blip r:embed="rId2">
+            <a:extLst>
+              <a:ext uri="{28A0092B-C50C-407E-A947-70E740481C1C}">
+                <a14:useLocalDpi xmlns:a14="http://schemas.microsoft.com/office/drawing/2010/main" val="0"/>
+              </a:ext>
+            </a:extLst>
+          </a:blip>
+          <a:stretch>
+            <a:fillRect/>
+          </a:stretch>
+        </p:blipFill>
+        <p:spPr bwMode="auto">
+          <a:xfrm>
+            <a:off x="5911532" y="3287911"/>
+            <a:ext cx="5150277" cy="2106931"/>
           </a:xfrm>
           <a:prstGeom prst="rect">
             <a:avLst/>
           </a:prstGeom>
           <a:noFill/>
+          <a:extLst>
+            <a:ext uri="{909E8E84-426E-40DD-AFC4-6F175D3DCCD1}">
+              <a14:hiddenFill xmlns:a14="http://schemas.microsoft.com/office/drawing/2010/main">
+                <a:solidFill>
+                  <a:srgbClr val="FFFFFF"/>
+                </a:solidFill>
+              </a14:hiddenFill>
+            </a:ext>
+          </a:extLst>
         </p:spPr>
-        <p:txBody>
-          <a:bodyPr wrap="square" rtlCol="0">
+      </p:pic>
+      <p:sp>
+        <p:nvSpPr>
+          <p:cNvPr id="2061" name="Rectangle 2060">
+            <a:extLst>
+              <a:ext uri="{FF2B5EF4-FFF2-40B4-BE49-F238E27FC236}">
+                <a16:creationId xmlns:a16="http://schemas.microsoft.com/office/drawing/2014/main" id="{E6995CE5-F890-4ABA-82A2-26507CE8D2A3}"/>
+              </a:ext>
+              <a:ext uri="{C183D7F6-B498-43B3-948B-1728B52AA6E4}">
+                <adec:decorative xmlns:adec="http://schemas.microsoft.com/office/drawing/2017/decorative" val="1"/>
+              </a:ext>
+            </a:extLst>
+          </p:cNvPr>
+          <p:cNvSpPr>
+            <a:spLocks noGrp="1" noRot="1" noChangeAspect="1" noMove="1" noResize="1" noEditPoints="1" noAdjustHandles="1" noChangeArrowheads="1" noChangeShapeType="1" noTextEdit="1"/>
+          </p:cNvSpPr>
+          <p:nvPr>
+            <p:extLst>
+              <p:ext uri="{386F3935-93C4-4BCD-93E2-E3B085C9AB24}">
+                <p16:designElem xmlns:p16="http://schemas.microsoft.com/office/powerpoint/2015/main" val="1"/>
+              </p:ext>
+            </p:extLst>
+          </p:nvPr>
+        </p:nvSpPr>
+        <p:spPr>
+          <a:xfrm rot="5400000">
+            <a:off x="11228040" y="2313027"/>
+            <a:ext cx="781700" cy="152382"/>
+          </a:xfrm>
+          <a:prstGeom prst="rect">
+            <a:avLst/>
+          </a:prstGeom>
+          <a:solidFill>
+            <a:schemeClr val="accent4"/>
+          </a:solidFill>
+          <a:ln>
+            <a:noFill/>
+          </a:ln>
+        </p:spPr>
+        <p:style>
+          <a:lnRef idx="2">
+            <a:schemeClr val="accent1">
+              <a:shade val="50000"/>
+            </a:schemeClr>
+          </a:lnRef>
+          <a:fillRef idx="1">
+            <a:schemeClr val="accent1"/>
+          </a:fillRef>
+          <a:effectRef idx="0">
+            <a:schemeClr val="accent1"/>
+          </a:effectRef>
+          <a:fontRef idx="minor">
+            <a:schemeClr val="lt1"/>
+          </a:fontRef>
+        </p:style>
+        <p:txBody>
+          <a:bodyPr rtlCol="0" anchor="ctr"/>
+          <a:lstStyle/>
+          <a:p>
+            <a:pPr algn="ctr"/>
+            <a:endParaRPr lang="en-US"/>
+          </a:p>
+        </p:txBody>
+      </p:sp>
+    </p:spTree>
+    <p:extLst>
+      <p:ext uri="{BB962C8B-B14F-4D97-AF65-F5344CB8AC3E}">
+        <p14:creationId xmlns:p14="http://schemas.microsoft.com/office/powerpoint/2010/main" val="3227696977"/>
+      </p:ext>
+    </p:extLst>
+  </p:cSld>
+  <p:clrMapOvr>
+    <a:masterClrMapping/>
+  </p:clrMapOvr>
+</p:sld>
+</file>
+
+<file path=ppt/slides/slide5.xml><?xml version="1.0" encoding="utf-8"?>
+<p:sld xmlns:a="http://schemas.openxmlformats.org/drawingml/2006/main" xmlns:r="http://schemas.openxmlformats.org/officeDocument/2006/relationships" xmlns:p="http://schemas.openxmlformats.org/presentationml/2006/main">
+  <p:cSld>
+    <p:bg>
+      <p:bgPr>
+        <a:solidFill>
+          <a:schemeClr val="bg1"/>
+        </a:solidFill>
+        <a:effectLst/>
+      </p:bgPr>
+    </p:bg>
+    <p:spTree>
+      <p:nvGrpSpPr>
+        <p:cNvPr id="1" name=""/>
+        <p:cNvGrpSpPr/>
+        <p:nvPr/>
+      </p:nvGrpSpPr>
+      <p:grpSpPr>
+        <a:xfrm>
+          <a:off x="0" y="0"/>
+          <a:ext cx="0" cy="0"/>
+          <a:chOff x="0" y="0"/>
+          <a:chExt cx="0" cy="0"/>
+        </a:xfrm>
+      </p:grpSpPr>
+      <p:sp useBgFill="1">
+        <p:nvSpPr>
+          <p:cNvPr id="3088" name="Rectangle 3087">
+            <a:extLst>
+              <a:ext uri="{FF2B5EF4-FFF2-40B4-BE49-F238E27FC236}">
+                <a16:creationId xmlns:a16="http://schemas.microsoft.com/office/drawing/2014/main" id="{0B9EE3F3-89B7-43C3-8651-C4C96830993D}"/>
+              </a:ext>
+              <a:ext uri="{C183D7F6-B498-43B3-948B-1728B52AA6E4}">
+                <adec:decorative xmlns:adec="http://schemas.microsoft.com/office/drawing/2017/decorative" val="1"/>
+              </a:ext>
+            </a:extLst>
+          </p:cNvPr>
+          <p:cNvSpPr>
+            <a:spLocks noGrp="1" noRot="1" noChangeAspect="1" noMove="1" noResize="1" noEditPoints="1" noAdjustHandles="1" noChangeArrowheads="1" noChangeShapeType="1" noTextEdit="1"/>
+          </p:cNvSpPr>
+          <p:nvPr>
+            <p:extLst>
+              <p:ext uri="{386F3935-93C4-4BCD-93E2-E3B085C9AB24}">
+                <p16:designElem xmlns:p16="http://schemas.microsoft.com/office/powerpoint/2015/main" val="1"/>
+              </p:ext>
+            </p:extLst>
+          </p:nvPr>
+        </p:nvSpPr>
+        <p:spPr>
+          <a:xfrm>
+            <a:off x="0" y="0"/>
+            <a:ext cx="12192000" cy="6858000"/>
+          </a:xfrm>
+          <a:prstGeom prst="rect">
+            <a:avLst/>
+          </a:prstGeom>
+          <a:ln>
+            <a:noFill/>
+          </a:ln>
+        </p:spPr>
+        <p:style>
+          <a:lnRef idx="2">
+            <a:schemeClr val="accent1">
+              <a:shade val="50000"/>
+            </a:schemeClr>
+          </a:lnRef>
+          <a:fillRef idx="1">
+            <a:schemeClr val="accent1"/>
+          </a:fillRef>
+          <a:effectRef idx="0">
+            <a:schemeClr val="accent1"/>
+          </a:effectRef>
+          <a:fontRef idx="minor">
+            <a:schemeClr val="lt1"/>
+          </a:fontRef>
+        </p:style>
+        <p:txBody>
+          <a:bodyPr rtlCol="0" anchor="ctr"/>
+          <a:lstStyle/>
+          <a:p>
+            <a:pPr algn="ctr"/>
+            <a:endParaRPr lang="en-US"/>
+          </a:p>
+        </p:txBody>
+      </p:sp>
+      <p:sp>
+        <p:nvSpPr>
+          <p:cNvPr id="2" name="TextBox 1">
+            <a:extLst>
+              <a:ext uri="{FF2B5EF4-FFF2-40B4-BE49-F238E27FC236}">
+                <a16:creationId xmlns:a16="http://schemas.microsoft.com/office/drawing/2014/main" id="{56E293FB-7952-8C5F-DAC0-E3467FF752B0}"/>
+              </a:ext>
+            </a:extLst>
+          </p:cNvPr>
+          <p:cNvSpPr txBox="1"/>
+          <p:nvPr/>
+        </p:nvSpPr>
+        <p:spPr>
+          <a:xfrm>
+            <a:off x="411480" y="991443"/>
+            <a:ext cx="4443154" cy="1087819"/>
+          </a:xfrm>
+          <a:prstGeom prst="rect">
+            <a:avLst/>
+          </a:prstGeom>
+        </p:spPr>
+        <p:txBody>
+          <a:bodyPr vert="horz" lIns="91440" tIns="45720" rIns="91440" bIns="45720" rtlCol="0" anchor="b">
+            <a:normAutofit/>
+          </a:bodyPr>
+          <a:lstStyle/>
+          <a:p>
+            <a:pPr>
+              <a:lnSpc>
+                <a:spcPct val="90000"/>
+              </a:lnSpc>
+              <a:spcBef>
+                <a:spcPct val="0"/>
+              </a:spcBef>
+              <a:spcAft>
+                <a:spcPts val="600"/>
+              </a:spcAft>
+            </a:pPr>
+            <a:r>
+              <a:rPr lang="en-US" sz="3400" b="1" kern="1200">
+                <a:solidFill>
+                  <a:schemeClr val="tx1"/>
+                </a:solidFill>
+                <a:latin typeface="+mj-lt"/>
+                <a:ea typeface="+mj-ea"/>
+                <a:cs typeface="+mj-cs"/>
+              </a:rPr>
+              <a:t>Tính năng chính của TestingWhiz</a:t>
+            </a:r>
+          </a:p>
+        </p:txBody>
+      </p:sp>
+      <p:sp>
+        <p:nvSpPr>
+          <p:cNvPr id="3090" name="Rectangle 3089">
+            <a:extLst>
+              <a:ext uri="{FF2B5EF4-FFF2-40B4-BE49-F238E27FC236}">
+                <a16:creationId xmlns:a16="http://schemas.microsoft.com/office/drawing/2014/main" id="{33AE4636-AEEC-45D6-84D4-7AC2DA48ECF8}"/>
+              </a:ext>
+              <a:ext uri="{C183D7F6-B498-43B3-948B-1728B52AA6E4}">
+                <adec:decorative xmlns:adec="http://schemas.microsoft.com/office/drawing/2017/decorative" val="1"/>
+              </a:ext>
+            </a:extLst>
+          </p:cNvPr>
+          <p:cNvSpPr>
+            <a:spLocks noGrp="1" noRot="1" noChangeAspect="1" noMove="1" noResize="1" noEditPoints="1" noAdjustHandles="1" noChangeArrowheads="1" noChangeShapeType="1" noTextEdit="1"/>
+          </p:cNvSpPr>
+          <p:nvPr>
+            <p:extLst>
+              <p:ext uri="{386F3935-93C4-4BCD-93E2-E3B085C9AB24}">
+                <p16:designElem xmlns:p16="http://schemas.microsoft.com/office/powerpoint/2015/main" val="1"/>
+              </p:ext>
+            </p:extLst>
+          </p:nvPr>
+        </p:nvSpPr>
+        <p:spPr>
+          <a:xfrm rot="5400000">
+            <a:off x="649223" y="387939"/>
+            <a:ext cx="73152" cy="548640"/>
+          </a:xfrm>
+          <a:prstGeom prst="rect">
+            <a:avLst/>
+          </a:prstGeom>
+          <a:solidFill>
+            <a:schemeClr val="accent2"/>
+          </a:solidFill>
+          <a:ln>
+            <a:noFill/>
+          </a:ln>
+        </p:spPr>
+        <p:style>
+          <a:lnRef idx="2">
+            <a:schemeClr val="accent1">
+              <a:shade val="50000"/>
+            </a:schemeClr>
+          </a:lnRef>
+          <a:fillRef idx="1">
+            <a:schemeClr val="accent1"/>
+          </a:fillRef>
+          <a:effectRef idx="0">
+            <a:schemeClr val="accent1"/>
+          </a:effectRef>
+          <a:fontRef idx="minor">
+            <a:schemeClr val="lt1"/>
+          </a:fontRef>
+        </p:style>
+        <p:txBody>
+          <a:bodyPr rtlCol="0" anchor="ctr"/>
+          <a:lstStyle/>
+          <a:p>
+            <a:pPr algn="ctr"/>
+            <a:endParaRPr lang="en-US">
+              <a:solidFill>
+                <a:prstClr val="white"/>
+              </a:solidFill>
+              <a:latin typeface="Calibri" panose="020F0502020204030204"/>
+            </a:endParaRPr>
+          </a:p>
+        </p:txBody>
+      </p:sp>
+      <p:sp>
+        <p:nvSpPr>
+          <p:cNvPr id="3092" name="Rectangle 3091">
+            <a:extLst>
+              <a:ext uri="{FF2B5EF4-FFF2-40B4-BE49-F238E27FC236}">
+                <a16:creationId xmlns:a16="http://schemas.microsoft.com/office/drawing/2014/main" id="{8D9CE0F4-2EB2-4F1F-8AAC-DB3571D9FE10}"/>
+              </a:ext>
+              <a:ext uri="{C183D7F6-B498-43B3-948B-1728B52AA6E4}">
+                <adec:decorative xmlns:adec="http://schemas.microsoft.com/office/drawing/2017/decorative" val="1"/>
+              </a:ext>
+            </a:extLst>
+          </p:cNvPr>
+          <p:cNvSpPr>
+            <a:spLocks noGrp="1" noRot="1" noChangeAspect="1" noMove="1" noResize="1" noEditPoints="1" noAdjustHandles="1" noChangeArrowheads="1" noChangeShapeType="1" noTextEdit="1"/>
+          </p:cNvSpPr>
+          <p:nvPr>
+            <p:extLst>
+              <p:ext uri="{386F3935-93C4-4BCD-93E2-E3B085C9AB24}">
+                <p16:designElem xmlns:p16="http://schemas.microsoft.com/office/powerpoint/2015/main" val="1"/>
+              </p:ext>
+            </p:extLst>
+          </p:nvPr>
+        </p:nvSpPr>
+        <p:spPr>
+          <a:xfrm>
+            <a:off x="411480" y="2285541"/>
+            <a:ext cx="4389120" cy="18288"/>
+          </a:xfrm>
+          <a:prstGeom prst="rect">
+            <a:avLst/>
+          </a:prstGeom>
+          <a:solidFill>
+            <a:srgbClr val="D5D5D5"/>
+          </a:solidFill>
+          <a:ln w="3175">
+            <a:noFill/>
+          </a:ln>
+          <a:effectLst/>
+        </p:spPr>
+        <p:style>
+          <a:lnRef idx="2">
+            <a:schemeClr val="accent1">
+              <a:shade val="50000"/>
+            </a:schemeClr>
+          </a:lnRef>
+          <a:fillRef idx="1">
+            <a:schemeClr val="accent1"/>
+          </a:fillRef>
+          <a:effectRef idx="0">
+            <a:schemeClr val="accent1"/>
+          </a:effectRef>
+          <a:fontRef idx="minor">
+            <a:schemeClr val="lt1"/>
+          </a:fontRef>
+        </p:style>
+        <p:txBody>
+          <a:bodyPr rtlCol="0" anchor="ctr"/>
+          <a:lstStyle/>
+          <a:p>
+            <a:pPr algn="ctr"/>
+            <a:endParaRPr lang="en-US">
+              <a:solidFill>
+                <a:prstClr val="white"/>
+              </a:solidFill>
+              <a:latin typeface="Calibri" panose="020F0502020204030204"/>
+            </a:endParaRPr>
+          </a:p>
+        </p:txBody>
+      </p:sp>
+      <p:sp>
+        <p:nvSpPr>
+          <p:cNvPr id="3" name="TextBox 2">
+            <a:extLst>
+              <a:ext uri="{FF2B5EF4-FFF2-40B4-BE49-F238E27FC236}">
+                <a16:creationId xmlns:a16="http://schemas.microsoft.com/office/drawing/2014/main" id="{97F9E18C-4350-1E99-2F6F-5F77928A2C7F}"/>
+              </a:ext>
+            </a:extLst>
+          </p:cNvPr>
+          <p:cNvSpPr txBox="1"/>
+          <p:nvPr/>
+        </p:nvSpPr>
+        <p:spPr>
+          <a:xfrm>
+            <a:off x="179860" y="2684095"/>
+            <a:ext cx="6513579" cy="3120085"/>
+          </a:xfrm>
+          <a:prstGeom prst="rect">
+            <a:avLst/>
+          </a:prstGeom>
+        </p:spPr>
+        <p:txBody>
+          <a:bodyPr vert="horz" wrap="square" lIns="91440" tIns="45720" rIns="91440" bIns="45720" rtlCol="0">
             <a:spAutoFit/>
           </a:bodyPr>
           <a:lstStyle/>
           <a:p>
+            <a:pPr marL="285750" lvl="1" indent="-228600" algn="just">
+              <a:lnSpc>
+                <a:spcPct val="150000"/>
+              </a:lnSpc>
+              <a:spcBef>
+                <a:spcPts val="600"/>
+              </a:spcBef>
+              <a:spcAft>
+                <a:spcPts val="600"/>
+              </a:spcAft>
+              <a:buFont typeface="Arial" panose="020B0604020202020204" pitchFamily="34" charset="0"/>
+              <a:buChar char="•"/>
+              <a:tabLst>
+                <a:tab pos="228600" algn="l"/>
+                <a:tab pos="457200" algn="l"/>
+              </a:tabLst>
+            </a:pPr>
             <a:r>
               <a:rPr lang="en-US"/>
-              <a:t>Danh sách thành viên</a:t>
-            </a:r>
-          </a:p>
-        </p:txBody>
-      </p:sp>
-      <p:sp>
-        <p:nvSpPr>
-          <p:cNvPr id="6" name="TextBox 5">
-            <a:extLst>
-              <a:ext uri="{FF2B5EF4-FFF2-40B4-BE49-F238E27FC236}">
-                <a16:creationId xmlns:a16="http://schemas.microsoft.com/office/drawing/2014/main" id="{4AD73271-926E-D37B-B6A7-EA1CA9B53B62}"/>
-              </a:ext>
-            </a:extLst>
-          </p:cNvPr>
-          <p:cNvSpPr txBox="1"/>
+              <a:t>Tự động hóa không cần viết code: TestingWhiz cho phép tạo kịch bản kiểm thử bằng cách ghi lại các hành động trong trình duyệt hoặc ứng dụng di động. Điều này giúp dễ dàng tự động hóa các bài kiểm thử mà không cần phải biết viết code.</a:t>
+            </a:r>
+          </a:p>
+          <a:p>
+            <a:pPr marL="285750" lvl="1" indent="-228600" algn="just">
+              <a:lnSpc>
+                <a:spcPct val="150000"/>
+              </a:lnSpc>
+              <a:spcBef>
+                <a:spcPts val="600"/>
+              </a:spcBef>
+              <a:spcAft>
+                <a:spcPts val="600"/>
+              </a:spcAft>
+              <a:buFont typeface="Arial" panose="020B0604020202020204" pitchFamily="34" charset="0"/>
+              <a:buChar char="•"/>
+              <a:tabLst>
+                <a:tab pos="228600" algn="l"/>
+                <a:tab pos="457200" algn="l"/>
+              </a:tabLst>
+            </a:pPr>
+            <a:r>
+              <a:rPr lang="en-US"/>
+              <a:t>Hỗ trợ nhiều loại kiểm thử: TestingWhiz hỗ trợ nhiều loại kiểm thử khác nhau, bao gồm kiểm thử web, kiểm thử di động, kiểm thử API, kiểm thử cơ sở dữ liệu và kiểm thử hồi quy.</a:t>
+            </a:r>
+          </a:p>
+        </p:txBody>
+      </p:sp>
+      <p:pic>
+        <p:nvPicPr>
+          <p:cNvPr id="3074" name="Picture 2" descr="A computer and tablet with gears and graphs&#10;&#10;Description automatically generated with medium confidence">
+            <a:extLst>
+              <a:ext uri="{FF2B5EF4-FFF2-40B4-BE49-F238E27FC236}">
+                <a16:creationId xmlns:a16="http://schemas.microsoft.com/office/drawing/2014/main" id="{A18AB7CE-2A24-106A-DC28-97E9D0D0234B}"/>
+              </a:ext>
+            </a:extLst>
+          </p:cNvPr>
+          <p:cNvPicPr>
+            <a:picLocks noChangeAspect="1" noChangeArrowheads="1"/>
+          </p:cNvPicPr>
           <p:nvPr/>
-        </p:nvSpPr>
-        <p:spPr>
+        </p:nvPicPr>
+        <p:blipFill>
+          <a:blip r:embed="rId2">
+            <a:extLst>
+              <a:ext uri="{28A0092B-C50C-407E-A947-70E740481C1C}">
+                <a14:useLocalDpi xmlns:a14="http://schemas.microsoft.com/office/drawing/2010/main" val="0"/>
+              </a:ext>
+            </a:extLst>
+          </a:blip>
+          <a:stretch/>
+        </p:blipFill>
+        <p:spPr bwMode="auto">
           <a:xfrm>
-            <a:off x="3449256" y="1956122"/>
-            <a:ext cx="2013995" cy="1200329"/>
+            <a:off x="6783369" y="2082123"/>
+            <a:ext cx="5318701" cy="2991769"/>
           </a:xfrm>
           <a:prstGeom prst="rect">
             <a:avLst/>
           </a:prstGeom>
           <a:noFill/>
+          <a:extLst>
+            <a:ext uri="{909E8E84-426E-40DD-AFC4-6F175D3DCCD1}">
+              <a14:hiddenFill xmlns:a14="http://schemas.microsoft.com/office/drawing/2010/main">
+                <a:solidFill>
+                  <a:srgbClr val="FFFFFF"/>
+                </a:solidFill>
+              </a14:hiddenFill>
+            </a:ext>
+          </a:extLst>
         </p:spPr>
-        <p:txBody>
-          <a:bodyPr wrap="square" rtlCol="0">
-            <a:spAutoFit/>
-          </a:bodyPr>
-          <a:lstStyle/>
-          <a:p>
-            <a:r>
-              <a:rPr lang="en-US"/>
-              <a:t>Nguyễn Hữu Tú</a:t>
-            </a:r>
-          </a:p>
-          <a:p>
-            <a:r>
-              <a:rPr lang="en-US"/>
-              <a:t>Trịnh Xuân Dương</a:t>
-            </a:r>
-          </a:p>
-          <a:p>
-            <a:r>
-              <a:rPr lang="en-US"/>
-              <a:t>Ngô Thuỵ Lương</a:t>
-            </a:r>
-          </a:p>
-          <a:p>
-            <a:endParaRPr lang="en-US"/>
-          </a:p>
-        </p:txBody>
-      </p:sp>
+      </p:pic>
     </p:spTree>
     <p:extLst>
       <p:ext uri="{BB962C8B-B14F-4D97-AF65-F5344CB8AC3E}">
-        <p14:creationId xmlns:p14="http://schemas.microsoft.com/office/powerpoint/2010/main" val="3803983155"/>
+        <p14:creationId xmlns:p14="http://schemas.microsoft.com/office/powerpoint/2010/main" val="2846066790"/>
+      </p:ext>
+    </p:extLst>
+  </p:cSld>
+  <p:clrMapOvr>
+    <a:masterClrMapping/>
+  </p:clrMapOvr>
+</p:sld>
+</file>
+
+<file path=ppt/slides/slide6.xml><?xml version="1.0" encoding="utf-8"?>
+<p:sld xmlns:a="http://schemas.openxmlformats.org/drawingml/2006/main" xmlns:r="http://schemas.openxmlformats.org/officeDocument/2006/relationships" xmlns:p="http://schemas.openxmlformats.org/presentationml/2006/main">
+  <p:cSld>
+    <p:bg>
+      <p:bgPr>
+        <a:solidFill>
+          <a:schemeClr val="bg1"/>
+        </a:solidFill>
+        <a:effectLst/>
+      </p:bgPr>
+    </p:bg>
+    <p:spTree>
+      <p:nvGrpSpPr>
+        <p:cNvPr id="1" name=""/>
+        <p:cNvGrpSpPr/>
+        <p:nvPr/>
+      </p:nvGrpSpPr>
+      <p:grpSpPr>
+        <a:xfrm>
+          <a:off x="0" y="0"/>
+          <a:ext cx="0" cy="0"/>
+          <a:chOff x="0" y="0"/>
+          <a:chExt cx="0" cy="0"/>
+        </a:xfrm>
+      </p:grpSpPr>
+      <p:sp useBgFill="1">
+        <p:nvSpPr>
+          <p:cNvPr id="26" name="Rectangle 25">
+            <a:extLst>
+              <a:ext uri="{FF2B5EF4-FFF2-40B4-BE49-F238E27FC236}">
+                <a16:creationId xmlns:a16="http://schemas.microsoft.com/office/drawing/2014/main" id="{DBF61EA3-B236-439E-9C0B-340980D56BEE}"/>
+              </a:ext>
+              <a:ext uri="{C183D7F6-B498-43B3-948B-1728B52AA6E4}">
+                <adec:decorative xmlns:adec="http://schemas.microsoft.com/office/drawing/2017/decorative" val="1"/>
+              </a:ext>
+            </a:extLst>
+          </p:cNvPr>
+          <p:cNvSpPr>
+            <a:spLocks noGrp="1" noRot="1" noChangeAspect="1" noMove="1" noResize="1" noEditPoints="1" noAdjustHandles="1" noChangeArrowheads="1" noChangeShapeType="1" noTextEdit="1"/>
+          </p:cNvSpPr>
+          <p:nvPr>
+            <p:extLst>
+              <p:ext uri="{386F3935-93C4-4BCD-93E2-E3B085C9AB24}">
+                <p16:designElem xmlns:p16="http://schemas.microsoft.com/office/powerpoint/2015/main" val="1"/>
+              </p:ext>
+            </p:extLst>
+          </p:nvPr>
+        </p:nvSpPr>
+        <p:spPr>
+          <a:xfrm>
+            <a:off x="0" y="0"/>
+            <a:ext cx="12191999" cy="6857365"/>
+          </a:xfrm>
+          <a:prstGeom prst="rect">
+            <a:avLst/>
+          </a:prstGeom>
+          <a:ln>
+            <a:noFill/>
+          </a:ln>
+        </p:spPr>
+        <p:style>
+          <a:lnRef idx="2">
+            <a:schemeClr val="accent1">
+              <a:shade val="50000"/>
+            </a:schemeClr>
+          </a:lnRef>
+          <a:fillRef idx="1">
+            <a:schemeClr val="accent1"/>
+          </a:fillRef>
+          <a:effectRef idx="0">
+            <a:schemeClr val="accent1"/>
+          </a:effectRef>
+          <a:fontRef idx="minor">
+            <a:schemeClr val="lt1"/>
+          </a:fontRef>
+        </p:style>
+        <p:txBody>
+          <a:bodyPr rtlCol="0" anchor="ctr"/>
+          <a:lstStyle/>
+          <a:p>
+            <a:pPr algn="ctr"/>
+            <a:endParaRPr lang="en-US"/>
+          </a:p>
+        </p:txBody>
+      </p:sp>
+      <p:sp>
+        <p:nvSpPr>
+          <p:cNvPr id="2" name="TextBox 1">
+            <a:extLst>
+              <a:ext uri="{FF2B5EF4-FFF2-40B4-BE49-F238E27FC236}">
+                <a16:creationId xmlns:a16="http://schemas.microsoft.com/office/drawing/2014/main" id="{56E293FB-7952-8C5F-DAC0-E3467FF752B0}"/>
+              </a:ext>
+            </a:extLst>
+          </p:cNvPr>
+          <p:cNvSpPr txBox="1"/>
+          <p:nvPr/>
+        </p:nvSpPr>
+        <p:spPr>
+          <a:xfrm>
+            <a:off x="808638" y="386930"/>
+            <a:ext cx="9236700" cy="1188950"/>
+          </a:xfrm>
+          <a:prstGeom prst="rect">
+            <a:avLst/>
+          </a:prstGeom>
+        </p:spPr>
+        <p:txBody>
+          <a:bodyPr vert="horz" lIns="91440" tIns="45720" rIns="91440" bIns="45720" rtlCol="0" anchor="b">
+            <a:normAutofit/>
+          </a:bodyPr>
+          <a:lstStyle/>
+          <a:p>
+            <a:pPr>
+              <a:lnSpc>
+                <a:spcPct val="90000"/>
+              </a:lnSpc>
+              <a:spcBef>
+                <a:spcPct val="0"/>
+              </a:spcBef>
+              <a:spcAft>
+                <a:spcPts val="600"/>
+              </a:spcAft>
+            </a:pPr>
+            <a:r>
+              <a:rPr lang="en-US" sz="4600" b="1" kern="1200">
+                <a:solidFill>
+                  <a:schemeClr val="tx1"/>
+                </a:solidFill>
+                <a:latin typeface="+mj-lt"/>
+                <a:ea typeface="+mj-ea"/>
+                <a:cs typeface="+mj-cs"/>
+              </a:rPr>
+              <a:t>Tính năng chính của TestingWhiz</a:t>
+            </a:r>
+          </a:p>
+        </p:txBody>
+      </p:sp>
+      <p:grpSp>
+        <p:nvGrpSpPr>
+          <p:cNvPr id="28" name="Group 27">
+            <a:extLst>
+              <a:ext uri="{FF2B5EF4-FFF2-40B4-BE49-F238E27FC236}">
+                <a16:creationId xmlns:a16="http://schemas.microsoft.com/office/drawing/2014/main" id="{28FAF094-D087-493F-8DF9-A486C2D6BBAA}"/>
+              </a:ext>
+              <a:ext uri="{C183D7F6-B498-43B3-948B-1728B52AA6E4}">
+                <adec:decorative xmlns:adec="http://schemas.microsoft.com/office/drawing/2017/decorative" val="1"/>
+              </a:ext>
+            </a:extLst>
+          </p:cNvPr>
+          <p:cNvGrpSpPr>
+            <a:grpSpLocks noGrp="1" noUngrp="1" noRot="1" noChangeAspect="1" noMove="1" noResize="1"/>
+          </p:cNvGrpSpPr>
+          <p:nvPr>
+            <p:extLst>
+              <p:ext uri="{386F3935-93C4-4BCD-93E2-E3B085C9AB24}">
+                <p16:designElem xmlns:p16="http://schemas.microsoft.com/office/powerpoint/2015/main" val="1"/>
+              </p:ext>
+            </p:extLst>
+          </p:nvPr>
+        </p:nvGrpSpPr>
+        <p:grpSpPr>
+          <a:xfrm>
+            <a:off x="-2" y="1998368"/>
+            <a:ext cx="11695083" cy="782176"/>
+            <a:chOff x="-2" y="1998368"/>
+            <a:chExt cx="11695083" cy="782176"/>
+          </a:xfrm>
+        </p:grpSpPr>
+        <p:sp>
+          <p:nvSpPr>
+            <p:cNvPr id="38" name="Rectangle 37">
+              <a:extLst>
+                <a:ext uri="{FF2B5EF4-FFF2-40B4-BE49-F238E27FC236}">
+                  <a16:creationId xmlns:a16="http://schemas.microsoft.com/office/drawing/2014/main" id="{8D7C88D8-5509-4514-925A-9CE148E5CBD6}"/>
+                </a:ext>
+                <a:ext uri="{C183D7F6-B498-43B3-948B-1728B52AA6E4}">
+                  <adec:decorative xmlns:adec="http://schemas.microsoft.com/office/drawing/2017/decorative" val="1"/>
+                </a:ext>
+              </a:extLst>
+            </p:cNvPr>
+            <p:cNvSpPr/>
+            <p:nvPr>
+              <p:extLst>
+                <p:ext uri="{386F3935-93C4-4BCD-93E2-E3B085C9AB24}">
+                  <p16:designElem xmlns:p16="http://schemas.microsoft.com/office/powerpoint/2015/main" val="1"/>
+                </p:ext>
+              </p:extLst>
+            </p:nvPr>
+          </p:nvSpPr>
+          <p:spPr>
+            <a:xfrm rot="5400000">
+              <a:off x="11228040" y="2313027"/>
+              <a:ext cx="781700" cy="152382"/>
+            </a:xfrm>
+            <a:prstGeom prst="rect">
+              <a:avLst/>
+            </a:prstGeom>
+            <a:solidFill>
+              <a:schemeClr val="accent4"/>
+            </a:solidFill>
+            <a:ln>
+              <a:noFill/>
+            </a:ln>
+          </p:spPr>
+          <p:style>
+            <a:lnRef idx="2">
+              <a:schemeClr val="accent1">
+                <a:shade val="50000"/>
+              </a:schemeClr>
+            </a:lnRef>
+            <a:fillRef idx="1">
+              <a:schemeClr val="accent1"/>
+            </a:fillRef>
+            <a:effectRef idx="0">
+              <a:schemeClr val="accent1"/>
+            </a:effectRef>
+            <a:fontRef idx="minor">
+              <a:schemeClr val="lt1"/>
+            </a:fontRef>
+          </p:style>
+          <p:txBody>
+            <a:bodyPr rtlCol="0" anchor="ctr"/>
+            <a:lstStyle/>
+            <a:p>
+              <a:pPr algn="ctr"/>
+              <a:endParaRPr lang="en-US"/>
+            </a:p>
+          </p:txBody>
+        </p:sp>
+        <p:sp>
+          <p:nvSpPr>
+            <p:cNvPr id="39" name="Rectangle 38">
+              <a:extLst>
+                <a:ext uri="{FF2B5EF4-FFF2-40B4-BE49-F238E27FC236}">
+                  <a16:creationId xmlns:a16="http://schemas.microsoft.com/office/drawing/2014/main" id="{7275593D-F75E-4426-AE3E-2CDEFD228D25}"/>
+                </a:ext>
+                <a:ext uri="{C183D7F6-B498-43B3-948B-1728B52AA6E4}">
+                  <adec:decorative xmlns:adec="http://schemas.microsoft.com/office/drawing/2017/decorative" val="1"/>
+                </a:ext>
+              </a:extLst>
+            </p:cNvPr>
+            <p:cNvSpPr/>
+            <p:nvPr>
+              <p:extLst>
+                <p:ext uri="{386F3935-93C4-4BCD-93E2-E3B085C9AB24}">
+                  <p16:designElem xmlns:p16="http://schemas.microsoft.com/office/powerpoint/2015/main" val="1"/>
+                </p:ext>
+              </p:extLst>
+            </p:nvPr>
+          </p:nvSpPr>
+          <p:spPr>
+            <a:xfrm flipH="1" flipV="1">
+              <a:off x="-2" y="1998845"/>
+              <a:ext cx="11454595" cy="781699"/>
+            </a:xfrm>
+            <a:prstGeom prst="rect">
+              <a:avLst/>
+            </a:prstGeom>
+            <a:solidFill>
+              <a:schemeClr val="accent4"/>
+            </a:solidFill>
+            <a:ln>
+              <a:noFill/>
+            </a:ln>
+          </p:spPr>
+          <p:style>
+            <a:lnRef idx="2">
+              <a:schemeClr val="accent1">
+                <a:shade val="50000"/>
+              </a:schemeClr>
+            </a:lnRef>
+            <a:fillRef idx="1">
+              <a:schemeClr val="accent1"/>
+            </a:fillRef>
+            <a:effectRef idx="0">
+              <a:schemeClr val="accent1"/>
+            </a:effectRef>
+            <a:fontRef idx="minor">
+              <a:schemeClr val="lt1"/>
+            </a:fontRef>
+          </p:style>
+          <p:txBody>
+            <a:bodyPr rtlCol="0" anchor="ctr"/>
+            <a:lstStyle/>
+            <a:p>
+              <a:pPr algn="ctr"/>
+              <a:endParaRPr lang="en-US"/>
+            </a:p>
+          </p:txBody>
+        </p:sp>
+      </p:grpSp>
+      <p:sp>
+        <p:nvSpPr>
+          <p:cNvPr id="40" name="Rectangle 39">
+            <a:extLst>
+              <a:ext uri="{FF2B5EF4-FFF2-40B4-BE49-F238E27FC236}">
+                <a16:creationId xmlns:a16="http://schemas.microsoft.com/office/drawing/2014/main" id="{E659831F-0D9A-4C63-9EBB-8435B85A440F}"/>
+              </a:ext>
+              <a:ext uri="{C183D7F6-B498-43B3-948B-1728B52AA6E4}">
+                <adec:decorative xmlns:adec="http://schemas.microsoft.com/office/drawing/2017/decorative" val="1"/>
+              </a:ext>
+            </a:extLst>
+          </p:cNvPr>
+          <p:cNvSpPr>
+            <a:spLocks noGrp="1" noRot="1" noChangeAspect="1" noMove="1" noResize="1" noEditPoints="1" noAdjustHandles="1" noChangeArrowheads="1" noChangeShapeType="1" noTextEdit="1"/>
+          </p:cNvSpPr>
+          <p:nvPr>
+            <p:extLst>
+              <p:ext uri="{386F3935-93C4-4BCD-93E2-E3B085C9AB24}">
+                <p16:designElem xmlns:p16="http://schemas.microsoft.com/office/powerpoint/2015/main" val="1"/>
+              </p:ext>
+            </p:extLst>
+          </p:nvPr>
+        </p:nvSpPr>
+        <p:spPr>
+          <a:xfrm>
+            <a:off x="0" y="2203079"/>
+            <a:ext cx="11383362" cy="4147845"/>
+          </a:xfrm>
+          <a:prstGeom prst="rect">
+            <a:avLst/>
+          </a:prstGeom>
+          <a:solidFill>
+            <a:schemeClr val="bg1"/>
+          </a:solidFill>
+          <a:ln>
+            <a:noFill/>
+          </a:ln>
+          <a:effectLst>
+            <a:outerShdw blurRad="139700" dist="127000" dir="5400000" algn="t" rotWithShape="0">
+              <a:prstClr val="black">
+                <a:alpha val="15000"/>
+              </a:prstClr>
+            </a:outerShdw>
+          </a:effectLst>
+        </p:spPr>
+        <p:style>
+          <a:lnRef idx="2">
+            <a:schemeClr val="accent1">
+              <a:shade val="50000"/>
+            </a:schemeClr>
+          </a:lnRef>
+          <a:fillRef idx="1">
+            <a:schemeClr val="accent1"/>
+          </a:fillRef>
+          <a:effectRef idx="0">
+            <a:schemeClr val="accent1"/>
+          </a:effectRef>
+          <a:fontRef idx="minor">
+            <a:schemeClr val="lt1"/>
+          </a:fontRef>
+        </p:style>
+        <p:txBody>
+          <a:bodyPr rtlCol="0" anchor="ctr"/>
+          <a:lstStyle/>
+          <a:p>
+            <a:pPr algn="ctr"/>
+            <a:endParaRPr lang="en-US"/>
+          </a:p>
+        </p:txBody>
+      </p:sp>
+      <p:sp>
+        <p:nvSpPr>
+          <p:cNvPr id="41" name="TextBox 40">
+            <a:extLst>
+              <a:ext uri="{FF2B5EF4-FFF2-40B4-BE49-F238E27FC236}">
+                <a16:creationId xmlns:a16="http://schemas.microsoft.com/office/drawing/2014/main" id="{97F9E18C-4350-1E99-2F6F-5F77928A2C7F}"/>
+              </a:ext>
+            </a:extLst>
+          </p:cNvPr>
+          <p:cNvSpPr txBox="1"/>
+          <p:nvPr/>
+        </p:nvSpPr>
+        <p:spPr>
+          <a:xfrm>
+            <a:off x="793660" y="2599509"/>
+            <a:ext cx="10143668" cy="3435531"/>
+          </a:xfrm>
+          <a:prstGeom prst="rect">
+            <a:avLst/>
+          </a:prstGeom>
+        </p:spPr>
+        <p:txBody>
+          <a:bodyPr vert="horz" lIns="91440" tIns="45720" rIns="91440" bIns="45720" rtlCol="0" anchor="ctr">
+            <a:normAutofit/>
+          </a:bodyPr>
+          <a:lstStyle/>
+          <a:p>
+            <a:pPr marL="285750" lvl="1" indent="-228600">
+              <a:lnSpc>
+                <a:spcPct val="90000"/>
+              </a:lnSpc>
+              <a:spcBef>
+                <a:spcPts val="600"/>
+              </a:spcBef>
+              <a:spcAft>
+                <a:spcPts val="600"/>
+              </a:spcAft>
+              <a:buFont typeface="Arial" panose="020B0604020202020204" pitchFamily="34" charset="0"/>
+              <a:buChar char="•"/>
+              <a:tabLst>
+                <a:tab pos="228600" algn="l"/>
+                <a:tab pos="457200" algn="l"/>
+              </a:tabLst>
+            </a:pPr>
+            <a:r>
+              <a:rPr lang="en-US" sz="2400"/>
+              <a:t>Báo cáo chi tiết: TestingWhiz cung cấp báo cáo chi tiết về kết quả kiểm thử, giúp dễ dàng xác định và sửa lỗi.</a:t>
+            </a:r>
+          </a:p>
+          <a:p>
+            <a:pPr marL="285750" lvl="1" indent="-228600">
+              <a:lnSpc>
+                <a:spcPct val="90000"/>
+              </a:lnSpc>
+              <a:spcBef>
+                <a:spcPts val="600"/>
+              </a:spcBef>
+              <a:spcAft>
+                <a:spcPts val="600"/>
+              </a:spcAft>
+              <a:buFont typeface="Arial" panose="020B0604020202020204" pitchFamily="34" charset="0"/>
+              <a:buChar char="•"/>
+              <a:tabLst>
+                <a:tab pos="228600" algn="l"/>
+                <a:tab pos="457200" algn="l"/>
+              </a:tabLst>
+            </a:pPr>
+            <a:r>
+              <a:rPr lang="en-US" sz="2400"/>
+              <a:t>Tích hợp với các công cụ khác: TestingWhiz tích hợp với các công cụ quản lý dự án như GIT, SVN giúp dễ dàng quản lý quy trình kiểm thử. </a:t>
+            </a:r>
+          </a:p>
+        </p:txBody>
+      </p:sp>
+    </p:spTree>
+    <p:extLst>
+      <p:ext uri="{BB962C8B-B14F-4D97-AF65-F5344CB8AC3E}">
+        <p14:creationId xmlns:p14="http://schemas.microsoft.com/office/powerpoint/2010/main" val="2322323324"/>
       </p:ext>
     </p:extLst>
   </p:cSld>
